--- a/plantilla.pptx
+++ b/plantilla.pptx
@@ -5,10 +5,10 @@
     <p:sldMasterId id="2147483660" r:id="rId1"/>
   </p:sldMasterIdLst>
   <p:notesMasterIdLst>
-    <p:notesMasterId r:id="rId11"/>
+    <p:notesMasterId r:id="rId14"/>
   </p:notesMasterIdLst>
   <p:handoutMasterIdLst>
-    <p:handoutMasterId r:id="rId12"/>
+    <p:handoutMasterId r:id="rId15"/>
   </p:handoutMasterIdLst>
   <p:sldIdLst>
     <p:sldId id="427" r:id="rId2"/>
@@ -17,9 +17,12 @@
     <p:sldId id="429" r:id="rId5"/>
     <p:sldId id="392" r:id="rId6"/>
     <p:sldId id="431" r:id="rId7"/>
-    <p:sldId id="432" r:id="rId8"/>
-    <p:sldId id="430" r:id="rId9"/>
-    <p:sldId id="394" r:id="rId10"/>
+    <p:sldId id="433" r:id="rId8"/>
+    <p:sldId id="434" r:id="rId9"/>
+    <p:sldId id="432" r:id="rId10"/>
+    <p:sldId id="430" r:id="rId11"/>
+    <p:sldId id="435" r:id="rId12"/>
+    <p:sldId id="394" r:id="rId13"/>
   </p:sldIdLst>
   <p:sldSz cx="12192000" cy="6858000"/>
   <p:notesSz cx="6858000" cy="9144000"/>
@@ -5166,7 +5169,7 @@
           <a:p>
             <a:fld id="{ED5BE762-B31F-4728-8DE1-E312C44ED4F0}" type="datetimeFigureOut">
               <a:rPr lang="es-CR" smtClean="0"/>
-              <a:t>13/2/2025</a:t>
+              <a:t>14/2/2025</a:t>
             </a:fld>
             <a:endParaRPr lang="es-CR"/>
           </a:p>
@@ -5343,7 +5346,7 @@
           <a:p>
             <a:fld id="{D25360BC-B7F1-4B37-9399-CFBED31ADAF2}" type="datetimeFigureOut">
               <a:rPr lang="es-CR" smtClean="0"/>
-              <a:t>13/2/2025</a:t>
+              <a:t>14/2/2025</a:t>
             </a:fld>
             <a:endParaRPr lang="es-CR"/>
           </a:p>
@@ -5884,7 +5887,7 @@
           <a:lstStyle/>
           <a:p>
             <a:fld id="{78ABE3C1-DBE1-495D-B57B-2849774B866A}" type="datetimeFigureOut">
-              <a:t>2/13/2025</a:t>
+              <a:t>2/14/2025</a:t>
             </a:fld>
             <a:endParaRPr lang="es-ES"/>
           </a:p>
@@ -6308,7 +6311,7 @@
           <a:lstStyle/>
           <a:p>
             <a:fld id="{446C117F-5CCF-4837-BE5F-2B92066CAFAF}" type="datetimeFigureOut">
-              <a:t>2/13/2025</a:t>
+              <a:t>2/14/2025</a:t>
             </a:fld>
             <a:endParaRPr lang="es-ES"/>
           </a:p>
@@ -6655,7 +6658,7 @@
           <a:lstStyle/>
           <a:p>
             <a:fld id="{84EB90BD-B6CE-46B7-997F-7313B992CCDC}" type="datetimeFigureOut">
-              <a:t>2/13/2025</a:t>
+              <a:t>2/14/2025</a:t>
             </a:fld>
             <a:endParaRPr lang="es-ES"/>
           </a:p>
@@ -7071,7 +7074,7 @@
           <a:lstStyle/>
           <a:p>
             <a:fld id="{CDB9D11F-B188-461D-B23F-39381795C052}" type="datetimeFigureOut">
-              <a:t>2/13/2025</a:t>
+              <a:t>2/14/2025</a:t>
             </a:fld>
             <a:endParaRPr lang="es-ES"/>
           </a:p>
@@ -7650,7 +7653,7 @@
           <a:lstStyle/>
           <a:p>
             <a:fld id="{52E6D8D9-55A2-4063-B0F3-121F44549695}" type="datetimeFigureOut">
-              <a:t>2/13/2025</a:t>
+              <a:t>2/14/2025</a:t>
             </a:fld>
             <a:endParaRPr lang="es-ES"/>
           </a:p>
@@ -8342,7 +8345,7 @@
           <a:lstStyle/>
           <a:p>
             <a:fld id="{D4B24536-994D-4021-A283-9F449C0DB509}" type="datetimeFigureOut">
-              <a:t>2/13/2025</a:t>
+              <a:t>2/14/2025</a:t>
             </a:fld>
             <a:endParaRPr lang="es-ES"/>
           </a:p>
@@ -9272,7 +9275,7 @@
           <a:lstStyle/>
           <a:p>
             <a:fld id="{3CBBBB78-C96F-47B7-AB17-D852CA960AC9}" type="datetimeFigureOut">
-              <a:t>2/13/2025</a:t>
+              <a:t>2/14/2025</a:t>
             </a:fld>
             <a:endParaRPr lang="es-ES"/>
           </a:p>
@@ -9595,7 +9598,7 @@
           <a:lstStyle/>
           <a:p>
             <a:fld id="{1FA3F48C-C7C6-4055-9F49-3777875E72AE}" type="datetimeFigureOut">
-              <a:t>2/13/2025</a:t>
+              <a:t>2/14/2025</a:t>
             </a:fld>
             <a:endParaRPr lang="es-ES"/>
           </a:p>
@@ -9869,7 +9872,7 @@
           <a:lstStyle/>
           <a:p>
             <a:fld id="{6178E61D-D431-422C-9764-11DAFE33AB63}" type="datetimeFigureOut">
-              <a:t>2/13/2025</a:t>
+              <a:t>2/14/2025</a:t>
             </a:fld>
             <a:endParaRPr lang="es-ES"/>
           </a:p>
@@ -10384,7 +10387,7 @@
           <a:lstStyle/>
           <a:p>
             <a:fld id="{12DE42F4-6EEF-4EF7-8ED4-2208F0F89A08}" type="datetimeFigureOut">
-              <a:t>2/13/2025</a:t>
+              <a:t>2/14/2025</a:t>
             </a:fld>
             <a:endParaRPr lang="es-ES"/>
           </a:p>
@@ -10784,7 +10787,7 @@
           <a:lstStyle/>
           <a:p>
             <a:fld id="{30578ACC-22D6-47C1-A373-4FD133E34F3C}" type="datetimeFigureOut">
-              <a:t>2/13/2025</a:t>
+              <a:t>2/14/2025</a:t>
             </a:fld>
             <a:endParaRPr lang="es-ES"/>
           </a:p>
@@ -11169,7 +11172,7 @@
           <a:lstStyle/>
           <a:p>
             <a:fld id="{4E5A6C69-6797-4E8A-BF37-F2C3751466E9}" type="datetimeFigureOut">
-              <a:t>2/13/2025</a:t>
+              <a:t>2/14/2025</a:t>
             </a:fld>
             <a:endParaRPr lang="es-ES"/>
           </a:p>
@@ -11684,7 +11687,7 @@
           <a:lstStyle/>
           <a:p>
             <a:fld id="{D82014A1-A632-4878-A0D3-F52BA7563730}" type="datetimeFigureOut">
-              <a:t>2/13/2025</a:t>
+              <a:t>2/14/2025</a:t>
             </a:fld>
             <a:endParaRPr lang="es-ES"/>
           </a:p>
@@ -11952,7 +11955,7 @@
           <a:lstStyle/>
           <a:p>
             <a:fld id="{CE99F462-093F-4566-844B-4C71F2739DA5}" type="datetimeFigureOut">
-              <a:t>2/13/2025</a:t>
+              <a:t>2/14/2025</a:t>
             </a:fld>
             <a:endParaRPr lang="es-ES"/>
           </a:p>
@@ -12127,7 +12130,7 @@
           <a:lstStyle/>
           <a:p>
             <a:fld id="{3D24A7AC-904D-4781-85BA-7D10C17ED021}" type="datetimeFigureOut">
-              <a:t>2/13/2025</a:t>
+              <a:t>2/14/2025</a:t>
             </a:fld>
             <a:endParaRPr lang="es-ES"/>
           </a:p>
@@ -12527,7 +12530,7 @@
           <a:lstStyle/>
           <a:p>
             <a:fld id="{E331444B-B92B-4E27-8C94-BB93EAF5CB18}" type="datetimeFigureOut">
-              <a:t>2/13/2025</a:t>
+              <a:t>2/14/2025</a:t>
             </a:fld>
             <a:endParaRPr lang="es-ES"/>
           </a:p>
@@ -12946,7 +12949,7 @@
           <a:lstStyle/>
           <a:p>
             <a:fld id="{363EFA5E-FA76-400D-B3DC-F0BA90E6D107}" type="datetimeFigureOut">
-              <a:t>2/13/2025</a:t>
+              <a:t>2/14/2025</a:t>
             </a:fld>
             <a:endParaRPr lang="es-ES"/>
           </a:p>
@@ -13198,7 +13201,7 @@
           </a:lstStyle>
           <a:p>
             <a:fld id="{9D6E9DEC-419B-4CC5-A080-3B06BD5A8291}" type="datetimeFigureOut">
-              <a:t>2/13/2025</a:t>
+              <a:t>2/14/2025</a:t>
             </a:fld>
             <a:endParaRPr lang="es-ES"/>
           </a:p>
@@ -13641,8 +13644,8 @@
         </p:nvSpPr>
         <p:spPr>
           <a:xfrm>
-            <a:off x="2432171" y="568892"/>
-            <a:ext cx="7737602" cy="799592"/>
+            <a:off x="2088846" y="970219"/>
+            <a:ext cx="8190655" cy="874708"/>
           </a:xfrm>
         </p:spPr>
         <p:txBody>
@@ -14009,7 +14012,7 @@
         </p:nvSpPr>
         <p:spPr>
           <a:xfrm>
-            <a:off x="-142240" y="0"/>
+            <a:off x="0" y="29070"/>
             <a:ext cx="12192000" cy="6858000"/>
           </a:xfrm>
           <a:prstGeom prst="rect">
@@ -14193,7 +14196,7 @@
 </p:sld>
 </file>
 
-<file path=ppt/slides/slide2.xml><?xml version="1.0" encoding="utf-8"?>
+<file path=ppt/slides/slide10.xml><?xml version="1.0" encoding="utf-8"?>
 <p:sld xmlns:a="http://schemas.openxmlformats.org/drawingml/2006/main" xmlns:r="http://schemas.openxmlformats.org/officeDocument/2006/relationships" xmlns:p="http://schemas.openxmlformats.org/presentationml/2006/main">
   <p:cSld>
     <p:spTree>
@@ -14212,108 +14215,6 @@
       </p:grpSpPr>
       <p:sp>
         <p:nvSpPr>
-          <p:cNvPr id="2" name="Título 1">
-            <a:extLst>
-              <a:ext uri="{FF2B5EF4-FFF2-40B4-BE49-F238E27FC236}">
-                <a16:creationId xmlns:a16="http://schemas.microsoft.com/office/drawing/2014/main" id="{43875EDE-499C-EDFF-9FD6-AC09EBC57EDE}"/>
-              </a:ext>
-            </a:extLst>
-          </p:cNvPr>
-          <p:cNvSpPr>
-            <a:spLocks noGrp="1"/>
-          </p:cNvSpPr>
-          <p:nvPr>
-            <p:ph type="ctrTitle"/>
-          </p:nvPr>
-        </p:nvSpPr>
-        <p:spPr>
-          <a:xfrm>
-            <a:off x="146474" y="2733709"/>
-            <a:ext cx="8804486" cy="1373070"/>
-          </a:xfrm>
-        </p:spPr>
-        <p:txBody>
-          <a:bodyPr/>
-          <a:lstStyle/>
-          <a:p>
-            <a:pPr algn="l"/>
-            <a:r>
-              <a:rPr lang="es-CR" sz="3600" b="1" dirty="0">
-                <a:solidFill>
-                  <a:srgbClr val="A42526"/>
-                </a:solidFill>
-                <a:latin typeface="Arial" panose="020B0604020202020204" pitchFamily="34" charset="0"/>
-                <a:cs typeface="Arial" panose="020B0604020202020204" pitchFamily="34" charset="0"/>
-              </a:rPr>
-              <a:t>CAPÍTULO I: Aspectos Introductorios y  </a:t>
-            </a:r>
-            <a:br>
-              <a:rPr lang="es-CR" sz="3600" b="1" dirty="0">
-                <a:solidFill>
-                  <a:srgbClr val="A42526"/>
-                </a:solidFill>
-                <a:latin typeface="Arial" panose="020B0604020202020204" pitchFamily="34" charset="0"/>
-                <a:cs typeface="Arial" panose="020B0604020202020204" pitchFamily="34" charset="0"/>
-              </a:rPr>
-            </a:br>
-            <a:r>
-              <a:rPr lang="es-CR" sz="3600" b="1" dirty="0">
-                <a:solidFill>
-                  <a:srgbClr val="A42526"/>
-                </a:solidFill>
-                <a:latin typeface="Arial" panose="020B0604020202020204" pitchFamily="34" charset="0"/>
-                <a:cs typeface="Arial" panose="020B0604020202020204" pitchFamily="34" charset="0"/>
-              </a:rPr>
-              <a:t>                      Normativos del Proyecto</a:t>
-            </a:r>
-            <a:endParaRPr lang="es-CR" sz="3600" dirty="0">
-              <a:solidFill>
-                <a:srgbClr val="A42526"/>
-              </a:solidFill>
-            </a:endParaRPr>
-          </a:p>
-        </p:txBody>
-      </p:sp>
-    </p:spTree>
-    <p:extLst>
-      <p:ext uri="{BB962C8B-B14F-4D97-AF65-F5344CB8AC3E}">
-        <p14:creationId xmlns:p14="http://schemas.microsoft.com/office/powerpoint/2010/main" val="2710639712"/>
-      </p:ext>
-    </p:extLst>
-  </p:cSld>
-  <p:clrMapOvr>
-    <a:masterClrMapping/>
-  </p:clrMapOvr>
-  <mc:AlternateContent xmlns:mc="http://schemas.openxmlformats.org/markup-compatibility/2006" xmlns:p14="http://schemas.microsoft.com/office/powerpoint/2010/main">
-    <mc:Choice Requires="p14">
-      <p:transition p14:dur="0"/>
-    </mc:Choice>
-    <mc:Fallback xmlns="">
-      <p:transition/>
-    </mc:Fallback>
-  </mc:AlternateContent>
-</p:sld>
-</file>
-
-<file path=ppt/slides/slide3.xml><?xml version="1.0" encoding="utf-8"?>
-<p:sld xmlns:a="http://schemas.openxmlformats.org/drawingml/2006/main" xmlns:r="http://schemas.openxmlformats.org/officeDocument/2006/relationships" xmlns:p="http://schemas.openxmlformats.org/presentationml/2006/main">
-  <p:cSld>
-    <p:spTree>
-      <p:nvGrpSpPr>
-        <p:cNvPr id="1" name=""/>
-        <p:cNvGrpSpPr/>
-        <p:nvPr/>
-      </p:nvGrpSpPr>
-      <p:grpSpPr>
-        <a:xfrm>
-          <a:off x="0" y="0"/>
-          <a:ext cx="0" cy="0"/>
-          <a:chOff x="0" y="0"/>
-          <a:chExt cx="0" cy="0"/>
-        </a:xfrm>
-      </p:grpSpPr>
-      <p:sp>
-        <p:nvSpPr>
           <p:cNvPr id="5" name="Título 4"/>
           <p:cNvSpPr>
             <a:spLocks noGrp="1"/>
@@ -14336,15 +14237,22 @@
           <a:p>
             <a:pPr algn="ctr"/>
             <a:r>
-              <a:rPr lang="es-CR" sz="3600" b="1" dirty="0">
+              <a:rPr lang="es-ES" sz="3600" b="1" dirty="0">
                 <a:solidFill>
                   <a:srgbClr val="A42526"/>
                 </a:solidFill>
                 <a:latin typeface="Arial" panose="020B0604020202020204" pitchFamily="34" charset="0"/>
                 <a:cs typeface="Arial" panose="020B0604020202020204" pitchFamily="34" charset="0"/>
               </a:rPr>
-              <a:t>Delimitación del Tema</a:t>
+              <a:t>Objetivos</a:t>
             </a:r>
+            <a:endParaRPr lang="es-CR" sz="3600" b="1" dirty="0">
+              <a:solidFill>
+                <a:srgbClr val="A42526"/>
+              </a:solidFill>
+              <a:latin typeface="Arial" panose="020B0604020202020204" pitchFamily="34" charset="0"/>
+              <a:cs typeface="Arial" panose="020B0604020202020204" pitchFamily="34" charset="0"/>
+            </a:endParaRPr>
           </a:p>
         </p:txBody>
       </p:sp>
@@ -14362,7 +14270,7 @@
         </p:nvSpPr>
         <p:spPr>
           <a:xfrm>
-            <a:off x="0" y="0"/>
+            <a:off x="-118872" y="-356616"/>
             <a:ext cx="12192000" cy="6858000"/>
           </a:xfrm>
           <a:prstGeom prst="rect">
@@ -14425,1005 +14333,19 @@
         </p:nvSpPr>
         <p:spPr>
           <a:xfrm>
-            <a:off x="922918" y="2327542"/>
-            <a:ext cx="9613861" cy="3599316"/>
-          </a:xfrm>
-        </p:spPr>
-        <p:txBody>
-          <a:bodyPr>
-            <a:normAutofit/>
-          </a:bodyPr>
-          <a:lstStyle/>
-          <a:p>
-            <a:r>
-              <a:rPr lang="es-ES" sz="2400" dirty="0"/>
-              <a:t>Este proyecto se delimitará en el desarrollo de una aplicación móvil que permita a los consumidores de Republica Dominicana comparar precios de productos en diferentes supermercados dominicanos. La investigación se llevará a cabo en un período de un año, iniciando en febrero del 2025 y finalizando en febrero del 2026 considerando tendencias actuales en el comportamiento de los consumidores y avances tecnológicos en aplicaciones móviles.</a:t>
-            </a:r>
-            <a:endParaRPr lang="es-CR" sz="1800" dirty="0">
-              <a:latin typeface="Arial" panose="020B0604020202020204" pitchFamily="34" charset="0"/>
-              <a:cs typeface="Arial" panose="020B0604020202020204" pitchFamily="34" charset="0"/>
-            </a:endParaRPr>
-          </a:p>
-        </p:txBody>
-      </p:sp>
-    </p:spTree>
-    <p:extLst>
-      <p:ext uri="{BB962C8B-B14F-4D97-AF65-F5344CB8AC3E}">
-        <p14:creationId xmlns:p14="http://schemas.microsoft.com/office/powerpoint/2010/main" val="3026647816"/>
-      </p:ext>
-    </p:extLst>
-  </p:cSld>
-  <p:clrMapOvr>
-    <a:masterClrMapping/>
-  </p:clrMapOvr>
-  <mc:AlternateContent xmlns:mc="http://schemas.openxmlformats.org/markup-compatibility/2006" xmlns:p14="http://schemas.microsoft.com/office/powerpoint/2010/main">
-    <mc:Choice Requires="p14">
-      <p:transition p14:dur="0"/>
-    </mc:Choice>
-    <mc:Fallback xmlns="">
-      <p:transition/>
-    </mc:Fallback>
-  </mc:AlternateContent>
-</p:sld>
-</file>
-
-<file path=ppt/slides/slide4.xml><?xml version="1.0" encoding="utf-8"?>
-<p:sld xmlns:a="http://schemas.openxmlformats.org/drawingml/2006/main" xmlns:r="http://schemas.openxmlformats.org/officeDocument/2006/relationships" xmlns:p="http://schemas.openxmlformats.org/presentationml/2006/main">
-  <p:cSld>
-    <p:spTree>
-      <p:nvGrpSpPr>
-        <p:cNvPr id="1" name=""/>
-        <p:cNvGrpSpPr/>
-        <p:nvPr/>
-      </p:nvGrpSpPr>
-      <p:grpSpPr>
-        <a:xfrm>
-          <a:off x="0" y="0"/>
-          <a:ext cx="0" cy="0"/>
-          <a:chOff x="0" y="0"/>
-          <a:chExt cx="0" cy="0"/>
-        </a:xfrm>
-      </p:grpSpPr>
-      <p:sp>
-        <p:nvSpPr>
-          <p:cNvPr id="5" name="Título 4"/>
-          <p:cNvSpPr>
-            <a:spLocks noGrp="1"/>
-          </p:cNvSpPr>
-          <p:nvPr>
-            <p:ph type="title"/>
-          </p:nvPr>
-        </p:nvSpPr>
-        <p:spPr>
-          <a:xfrm>
-            <a:off x="348344" y="548641"/>
-            <a:ext cx="10061748" cy="1097280"/>
-          </a:xfrm>
-        </p:spPr>
-        <p:txBody>
-          <a:bodyPr vert="horz" lIns="91440" tIns="45720" rIns="91440" bIns="45720" rtlCol="0" anchor="b">
-            <a:noAutofit/>
-          </a:bodyPr>
-          <a:lstStyle/>
-          <a:p>
-            <a:pPr algn="ctr"/>
-            <a:r>
-              <a:rPr lang="es-ES" sz="3600" b="1" dirty="0">
-                <a:solidFill>
-                  <a:srgbClr val="A42526"/>
-                </a:solidFill>
-                <a:latin typeface="Arial" panose="020B0604020202020204" pitchFamily="34" charset="0"/>
-                <a:cs typeface="Arial" panose="020B0604020202020204" pitchFamily="34" charset="0"/>
-              </a:rPr>
-              <a:t>Justificación</a:t>
-            </a:r>
-            <a:endParaRPr lang="es-CR" sz="3600" b="1" dirty="0">
-              <a:solidFill>
-                <a:srgbClr val="A42526"/>
-              </a:solidFill>
-              <a:latin typeface="Arial" panose="020B0604020202020204" pitchFamily="34" charset="0"/>
-              <a:cs typeface="Arial" panose="020B0604020202020204" pitchFamily="34" charset="0"/>
-            </a:endParaRPr>
-          </a:p>
-        </p:txBody>
-      </p:sp>
-      <p:sp>
-        <p:nvSpPr>
-          <p:cNvPr id="10" name="Rectángulo 9">
-            <a:extLst>
-              <a:ext uri="{FF2B5EF4-FFF2-40B4-BE49-F238E27FC236}">
-                <a16:creationId xmlns:a16="http://schemas.microsoft.com/office/drawing/2014/main" id="{34A72687-D7DF-816F-9756-BB399008FE17}"/>
-              </a:ext>
-            </a:extLst>
-          </p:cNvPr>
-          <p:cNvSpPr/>
-          <p:nvPr/>
-        </p:nvSpPr>
-        <p:spPr>
-          <a:xfrm>
-            <a:off x="0" y="0"/>
-            <a:ext cx="12192000" cy="6858000"/>
-          </a:xfrm>
-          <a:prstGeom prst="rect">
-            <a:avLst/>
-          </a:prstGeom>
-          <a:noFill/>
-          <a:ln w="76200">
-            <a:solidFill>
-              <a:srgbClr val="C00000"/>
-            </a:solidFill>
-          </a:ln>
-          <a:scene3d>
-            <a:camera prst="orthographicFront"/>
-            <a:lightRig rig="threePt" dir="t"/>
-          </a:scene3d>
-          <a:sp3d>
-            <a:bevelT prst="angle"/>
-          </a:sp3d>
-        </p:spPr>
-        <p:style>
-          <a:lnRef idx="2">
-            <a:schemeClr val="accent1">
-              <a:shade val="50000"/>
-            </a:schemeClr>
-          </a:lnRef>
-          <a:fillRef idx="1">
-            <a:schemeClr val="accent1"/>
-          </a:fillRef>
-          <a:effectRef idx="0">
-            <a:schemeClr val="accent1"/>
-          </a:effectRef>
-          <a:fontRef idx="minor">
-            <a:schemeClr val="lt1"/>
-          </a:fontRef>
-        </p:style>
-        <p:txBody>
-          <a:bodyPr rtlCol="0" anchor="ctr"/>
-          <a:lstStyle/>
-          <a:p>
-            <a:pPr algn="ctr"/>
-            <a:endParaRPr lang="es-CR" dirty="0"/>
-          </a:p>
-        </p:txBody>
-      </p:sp>
-      <p:sp>
-        <p:nvSpPr>
-          <p:cNvPr id="11" name="Marcador de contenido 2">
-            <a:extLst>
-              <a:ext uri="{FF2B5EF4-FFF2-40B4-BE49-F238E27FC236}">
-                <a16:creationId xmlns:a16="http://schemas.microsoft.com/office/drawing/2014/main" id="{5EE98C81-E83F-BA8F-CB53-BFC6C5C58459}"/>
-              </a:ext>
-            </a:extLst>
-          </p:cNvPr>
-          <p:cNvSpPr>
-            <a:spLocks noGrp="1"/>
-          </p:cNvSpPr>
-          <p:nvPr>
-            <p:ph idx="1"/>
-          </p:nvPr>
-        </p:nvSpPr>
-        <p:spPr>
-          <a:xfrm>
-            <a:off x="680322" y="2336873"/>
-            <a:ext cx="9613861" cy="3789607"/>
-          </a:xfrm>
-        </p:spPr>
-        <p:txBody>
-          <a:bodyPr>
-            <a:normAutofit/>
-          </a:bodyPr>
-          <a:lstStyle/>
-          <a:p>
-            <a:pPr marL="0" indent="0">
-              <a:buNone/>
-            </a:pPr>
-            <a:r>
-              <a:rPr lang="es-ES" sz="2400" dirty="0">
-                <a:latin typeface="Arial" panose="020B0604020202020204" pitchFamily="34" charset="0"/>
-                <a:cs typeface="Arial" panose="020B0604020202020204" pitchFamily="34" charset="0"/>
-              </a:rPr>
-              <a:t> </a:t>
-            </a:r>
-          </a:p>
-          <a:p>
-            <a:pPr lvl="1"/>
-            <a:r>
-              <a:rPr lang="es-CR" sz="1800" dirty="0">
-                <a:latin typeface="Arial" panose="020B0604020202020204" pitchFamily="34" charset="0"/>
-                <a:cs typeface="Arial" panose="020B0604020202020204" pitchFamily="34" charset="0"/>
-              </a:rPr>
-              <a:t>¿Para qué o porque debe efectuarse la investigación? </a:t>
-            </a:r>
-          </a:p>
-          <a:p>
-            <a:pPr marL="342900" lvl="1" indent="0">
-              <a:buNone/>
-            </a:pPr>
-            <a:endParaRPr lang="es-CR" sz="1800" dirty="0">
-              <a:latin typeface="Arial" panose="020B0604020202020204" pitchFamily="34" charset="0"/>
-              <a:cs typeface="Arial" panose="020B0604020202020204" pitchFamily="34" charset="0"/>
-            </a:endParaRPr>
-          </a:p>
-          <a:p>
-            <a:pPr lvl="1"/>
-            <a:r>
-              <a:rPr lang="es-CR" sz="1800" dirty="0">
-                <a:latin typeface="Arial" panose="020B0604020202020204" pitchFamily="34" charset="0"/>
-                <a:cs typeface="Arial" panose="020B0604020202020204" pitchFamily="34" charset="0"/>
-              </a:rPr>
-              <a:t>¿Qué pienso aportar con los resultados?</a:t>
-            </a:r>
-          </a:p>
-          <a:p>
-            <a:pPr lvl="1"/>
-            <a:endParaRPr lang="es-CR" sz="1800" dirty="0">
-              <a:latin typeface="Arial" panose="020B0604020202020204" pitchFamily="34" charset="0"/>
-              <a:cs typeface="Arial" panose="020B0604020202020204" pitchFamily="34" charset="0"/>
-            </a:endParaRPr>
-          </a:p>
-        </p:txBody>
-      </p:sp>
-      <p:graphicFrame>
-        <p:nvGraphicFramePr>
-          <p:cNvPr id="13" name="Diagrama 12">
-            <a:extLst>
-              <a:ext uri="{FF2B5EF4-FFF2-40B4-BE49-F238E27FC236}">
-                <a16:creationId xmlns:a16="http://schemas.microsoft.com/office/drawing/2014/main" id="{505AA23C-0746-1630-EBD1-4BE52A3ADD9F}"/>
-              </a:ext>
-            </a:extLst>
-          </p:cNvPr>
-          <p:cNvGraphicFramePr/>
-          <p:nvPr>
-            <p:extLst>
-              <p:ext uri="{D42A27DB-BD31-4B8C-83A1-F6EECF244321}">
-                <p14:modId xmlns:p14="http://schemas.microsoft.com/office/powerpoint/2010/main" val="1472972290"/>
-              </p:ext>
-            </p:extLst>
-          </p:nvPr>
-        </p:nvGraphicFramePr>
-        <p:xfrm>
-          <a:off x="2992582" y="4655128"/>
-          <a:ext cx="4487945" cy="1989340"/>
-        </p:xfrm>
-        <a:graphic>
-          <a:graphicData uri="http://schemas.openxmlformats.org/drawingml/2006/diagram">
-            <dgm:relIds xmlns:dgm="http://schemas.openxmlformats.org/drawingml/2006/diagram" xmlns:r="http://schemas.openxmlformats.org/officeDocument/2006/relationships" r:dm="rId2" r:lo="rId3" r:qs="rId4" r:cs="rId5"/>
-          </a:graphicData>
-        </a:graphic>
-      </p:graphicFrame>
-    </p:spTree>
-    <p:extLst>
-      <p:ext uri="{BB962C8B-B14F-4D97-AF65-F5344CB8AC3E}">
-        <p14:creationId xmlns:p14="http://schemas.microsoft.com/office/powerpoint/2010/main" val="1029457609"/>
-      </p:ext>
-    </p:extLst>
-  </p:cSld>
-  <p:clrMapOvr>
-    <a:masterClrMapping/>
-  </p:clrMapOvr>
-  <mc:AlternateContent xmlns:mc="http://schemas.openxmlformats.org/markup-compatibility/2006" xmlns:p14="http://schemas.microsoft.com/office/powerpoint/2010/main">
-    <mc:Choice Requires="p14">
-      <p:transition p14:dur="0"/>
-    </mc:Choice>
-    <mc:Fallback xmlns="">
-      <p:transition/>
-    </mc:Fallback>
-  </mc:AlternateContent>
-</p:sld>
-</file>
-
-<file path=ppt/slides/slide5.xml><?xml version="1.0" encoding="utf-8"?>
-<p:sld xmlns:a="http://schemas.openxmlformats.org/drawingml/2006/main" xmlns:r="http://schemas.openxmlformats.org/officeDocument/2006/relationships" xmlns:p="http://schemas.openxmlformats.org/presentationml/2006/main">
-  <p:cSld>
-    <p:spTree>
-      <p:nvGrpSpPr>
-        <p:cNvPr id="1" name=""/>
-        <p:cNvGrpSpPr/>
-        <p:nvPr/>
-      </p:nvGrpSpPr>
-      <p:grpSpPr>
-        <a:xfrm>
-          <a:off x="0" y="0"/>
-          <a:ext cx="0" cy="0"/>
-          <a:chOff x="0" y="0"/>
-          <a:chExt cx="0" cy="0"/>
-        </a:xfrm>
-      </p:grpSpPr>
-      <p:sp>
-        <p:nvSpPr>
-          <p:cNvPr id="5" name="Título 4"/>
-          <p:cNvSpPr>
-            <a:spLocks noGrp="1"/>
-          </p:cNvSpPr>
-          <p:nvPr>
-            <p:ph type="title"/>
-          </p:nvPr>
-        </p:nvSpPr>
-        <p:spPr>
-          <a:xfrm>
-            <a:off x="348344" y="548641"/>
-            <a:ext cx="10061748" cy="1097280"/>
-          </a:xfrm>
-        </p:spPr>
-        <p:txBody>
-          <a:bodyPr vert="horz" lIns="91440" tIns="45720" rIns="91440" bIns="45720" rtlCol="0" anchor="b">
-            <a:noAutofit/>
-          </a:bodyPr>
-          <a:lstStyle/>
-          <a:p>
-            <a:pPr algn="ctr"/>
-            <a:r>
-              <a:rPr lang="es-ES" sz="3600" b="1" dirty="0">
-                <a:solidFill>
-                  <a:srgbClr val="A42526"/>
-                </a:solidFill>
-                <a:latin typeface="Arial" panose="020B0604020202020204" pitchFamily="34" charset="0"/>
-                <a:cs typeface="Arial" panose="020B0604020202020204" pitchFamily="34" charset="0"/>
-              </a:rPr>
-              <a:t>Importancia</a:t>
-            </a:r>
-            <a:endParaRPr lang="es-CR" sz="3600" b="1" dirty="0">
-              <a:solidFill>
-                <a:srgbClr val="A42526"/>
-              </a:solidFill>
-              <a:latin typeface="Arial" panose="020B0604020202020204" pitchFamily="34" charset="0"/>
-              <a:cs typeface="Arial" panose="020B0604020202020204" pitchFamily="34" charset="0"/>
-            </a:endParaRPr>
-          </a:p>
-        </p:txBody>
-      </p:sp>
-      <p:sp>
-        <p:nvSpPr>
-          <p:cNvPr id="10" name="Rectángulo 9">
-            <a:extLst>
-              <a:ext uri="{FF2B5EF4-FFF2-40B4-BE49-F238E27FC236}">
-                <a16:creationId xmlns:a16="http://schemas.microsoft.com/office/drawing/2014/main" id="{34A72687-D7DF-816F-9756-BB399008FE17}"/>
-              </a:ext>
-            </a:extLst>
-          </p:cNvPr>
-          <p:cNvSpPr/>
-          <p:nvPr/>
-        </p:nvSpPr>
-        <p:spPr>
-          <a:xfrm>
-            <a:off x="0" y="0"/>
-            <a:ext cx="12192000" cy="6858000"/>
-          </a:xfrm>
-          <a:prstGeom prst="rect">
-            <a:avLst/>
-          </a:prstGeom>
-          <a:noFill/>
-          <a:ln w="76200">
-            <a:solidFill>
-              <a:srgbClr val="C00000"/>
-            </a:solidFill>
-          </a:ln>
-          <a:scene3d>
-            <a:camera prst="orthographicFront"/>
-            <a:lightRig rig="threePt" dir="t"/>
-          </a:scene3d>
-          <a:sp3d>
-            <a:bevelT prst="angle"/>
-          </a:sp3d>
-        </p:spPr>
-        <p:style>
-          <a:lnRef idx="2">
-            <a:schemeClr val="accent1">
-              <a:shade val="50000"/>
-            </a:schemeClr>
-          </a:lnRef>
-          <a:fillRef idx="1">
-            <a:schemeClr val="accent1"/>
-          </a:fillRef>
-          <a:effectRef idx="0">
-            <a:schemeClr val="accent1"/>
-          </a:effectRef>
-          <a:fontRef idx="minor">
-            <a:schemeClr val="lt1"/>
-          </a:fontRef>
-        </p:style>
-        <p:txBody>
-          <a:bodyPr rtlCol="0" anchor="ctr"/>
-          <a:lstStyle/>
-          <a:p>
-            <a:pPr algn="ctr"/>
-            <a:endParaRPr lang="es-CR" dirty="0"/>
-          </a:p>
-        </p:txBody>
-      </p:sp>
-      <p:sp>
-        <p:nvSpPr>
-          <p:cNvPr id="3" name="Marcador de contenido 2">
-            <a:extLst>
-              <a:ext uri="{FF2B5EF4-FFF2-40B4-BE49-F238E27FC236}">
-                <a16:creationId xmlns:a16="http://schemas.microsoft.com/office/drawing/2014/main" id="{023AAC1A-F466-C04C-CA40-0A18A28D2224}"/>
-              </a:ext>
-            </a:extLst>
-          </p:cNvPr>
-          <p:cNvSpPr>
-            <a:spLocks noGrp="1"/>
-          </p:cNvSpPr>
-          <p:nvPr>
-            <p:ph idx="1"/>
-          </p:nvPr>
-        </p:nvSpPr>
-        <p:spPr>
-          <a:xfrm>
-            <a:off x="348344" y="2336875"/>
-            <a:ext cx="10146936" cy="3599313"/>
-          </a:xfrm>
-        </p:spPr>
-        <p:txBody>
-          <a:bodyPr/>
-          <a:lstStyle/>
-          <a:p>
-            <a:r>
-              <a:rPr lang="es-ES" dirty="0"/>
-              <a:t>El proyecto es de gran relevancia debido a la creciente necesidad de los consumidores de encontrar maneras de ahorrar dinero en sus compras diarias. Con la inflación y la variabilidad de los precios de los productos, una herramienta que centralice esta información será de gran utilidad. </a:t>
-            </a:r>
-          </a:p>
-          <a:p>
-            <a:r>
-              <a:rPr lang="es-ES" dirty="0"/>
-              <a:t>Además, el desarrollo de esta aplicación contribuirá al avance de la tecnología aplicada al consumo inteligente, promoviendo una cultura de compras más informada y eficiente. También permitirá mejorar la accesibilidad de información de precios para personas con presupuestos ajustados, ayudándoles a optimizar sus recursos. </a:t>
-            </a:r>
-            <a:endParaRPr lang="es-DO" dirty="0"/>
-          </a:p>
-        </p:txBody>
-      </p:sp>
-    </p:spTree>
-    <p:extLst>
-      <p:ext uri="{BB962C8B-B14F-4D97-AF65-F5344CB8AC3E}">
-        <p14:creationId xmlns:p14="http://schemas.microsoft.com/office/powerpoint/2010/main" val="3073575710"/>
-      </p:ext>
-    </p:extLst>
-  </p:cSld>
-  <p:clrMapOvr>
-    <a:masterClrMapping/>
-  </p:clrMapOvr>
-  <mc:AlternateContent xmlns:mc="http://schemas.openxmlformats.org/markup-compatibility/2006" xmlns:p14="http://schemas.microsoft.com/office/powerpoint/2010/main">
-    <mc:Choice Requires="p14">
-      <p:transition p14:dur="0"/>
-    </mc:Choice>
-    <mc:Fallback xmlns="">
-      <p:transition/>
-    </mc:Fallback>
-  </mc:AlternateContent>
-</p:sld>
-</file>
-
-<file path=ppt/slides/slide6.xml><?xml version="1.0" encoding="utf-8"?>
-<p:sld xmlns:a="http://schemas.openxmlformats.org/drawingml/2006/main" xmlns:r="http://schemas.openxmlformats.org/officeDocument/2006/relationships" xmlns:p="http://schemas.openxmlformats.org/presentationml/2006/main">
-  <p:cSld>
-    <p:spTree>
-      <p:nvGrpSpPr>
-        <p:cNvPr id="1" name=""/>
-        <p:cNvGrpSpPr/>
-        <p:nvPr/>
-      </p:nvGrpSpPr>
-      <p:grpSpPr>
-        <a:xfrm>
-          <a:off x="0" y="0"/>
-          <a:ext cx="0" cy="0"/>
-          <a:chOff x="0" y="0"/>
-          <a:chExt cx="0" cy="0"/>
-        </a:xfrm>
-      </p:grpSpPr>
-      <p:sp>
-        <p:nvSpPr>
-          <p:cNvPr id="2" name="Título 1">
-            <a:extLst>
-              <a:ext uri="{FF2B5EF4-FFF2-40B4-BE49-F238E27FC236}">
-                <a16:creationId xmlns:a16="http://schemas.microsoft.com/office/drawing/2014/main" id="{55968C64-6743-71A0-FBB2-C905F2F87AB0}"/>
-              </a:ext>
-            </a:extLst>
-          </p:cNvPr>
-          <p:cNvSpPr>
-            <a:spLocks noGrp="1"/>
-          </p:cNvSpPr>
-          <p:nvPr>
-            <p:ph type="ctrTitle"/>
-          </p:nvPr>
-        </p:nvSpPr>
-        <p:spPr/>
-        <p:txBody>
-          <a:bodyPr/>
-          <a:lstStyle/>
-          <a:p>
-            <a:pPr algn="ctr"/>
-            <a:r>
-              <a:rPr lang="es-ES" sz="3600" b="1" dirty="0">
-                <a:solidFill>
-                  <a:srgbClr val="A42526"/>
-                </a:solidFill>
-                <a:latin typeface="Arial" panose="020B0604020202020204" pitchFamily="34" charset="0"/>
-                <a:cs typeface="Arial" panose="020B0604020202020204" pitchFamily="34" charset="0"/>
-              </a:rPr>
-              <a:t>Planteamiento del Problema</a:t>
-            </a:r>
-            <a:endParaRPr lang="es-DO" sz="3600" dirty="0"/>
-          </a:p>
-        </p:txBody>
-      </p:sp>
-      <p:sp>
-        <p:nvSpPr>
-          <p:cNvPr id="3" name="Subtítulo 2">
-            <a:extLst>
-              <a:ext uri="{FF2B5EF4-FFF2-40B4-BE49-F238E27FC236}">
-                <a16:creationId xmlns:a16="http://schemas.microsoft.com/office/drawing/2014/main" id="{5A464E88-9179-CB35-B4B4-98F07B9BDFA4}"/>
-              </a:ext>
-            </a:extLst>
-          </p:cNvPr>
-          <p:cNvSpPr>
-            <a:spLocks noGrp="1"/>
-          </p:cNvSpPr>
-          <p:nvPr>
-            <p:ph type="subTitle" idx="1"/>
-          </p:nvPr>
-        </p:nvSpPr>
-        <p:spPr>
-          <a:xfrm>
-            <a:off x="1411533" y="4750657"/>
-            <a:ext cx="9368934" cy="1117687"/>
-          </a:xfrm>
-        </p:spPr>
-        <p:txBody>
-          <a:bodyPr>
-            <a:normAutofit/>
-          </a:bodyPr>
-          <a:lstStyle/>
-          <a:p>
-            <a:r>
-              <a:rPr lang="es-DO" sz="2400" b="1" dirty="0">
-                <a:solidFill>
-                  <a:srgbClr val="A42526"/>
-                </a:solidFill>
-              </a:rPr>
-              <a:t>Donde comprar</a:t>
-            </a:r>
-            <a:r>
-              <a:rPr lang="en-US" sz="2400" b="1" dirty="0">
-                <a:solidFill>
-                  <a:srgbClr val="A42526"/>
-                </a:solidFill>
-              </a:rPr>
-              <a:t>?	 A que </a:t>
-            </a:r>
-            <a:r>
-              <a:rPr lang="en-US" sz="2400" b="1" dirty="0" err="1">
-                <a:solidFill>
-                  <a:srgbClr val="A42526"/>
-                </a:solidFill>
-              </a:rPr>
-              <a:t>precio</a:t>
-            </a:r>
-            <a:r>
-              <a:rPr lang="en-US" sz="2400" b="1" dirty="0">
-                <a:solidFill>
-                  <a:srgbClr val="A42526"/>
-                </a:solidFill>
-              </a:rPr>
-              <a:t> </a:t>
-            </a:r>
-            <a:r>
-              <a:rPr lang="en-US" sz="2400" b="1" dirty="0" err="1">
-                <a:solidFill>
-                  <a:srgbClr val="A42526"/>
-                </a:solidFill>
-              </a:rPr>
-              <a:t>Comprar</a:t>
-            </a:r>
-            <a:r>
-              <a:rPr lang="en-US" sz="2400" b="1" dirty="0">
-                <a:solidFill>
-                  <a:srgbClr val="A42526"/>
-                </a:solidFill>
-              </a:rPr>
-              <a:t>? 	</a:t>
-            </a:r>
-            <a:r>
-              <a:rPr lang="en-US" sz="2400" b="1" dirty="0" err="1">
-                <a:solidFill>
-                  <a:srgbClr val="A42526"/>
-                </a:solidFill>
-              </a:rPr>
-              <a:t>En</a:t>
-            </a:r>
-            <a:r>
-              <a:rPr lang="en-US" sz="2400" b="1" dirty="0">
-                <a:solidFill>
-                  <a:srgbClr val="A42526"/>
-                </a:solidFill>
-              </a:rPr>
-              <a:t> que </a:t>
-            </a:r>
-            <a:r>
-              <a:rPr lang="en-US" sz="2400" b="1" dirty="0" err="1">
-                <a:solidFill>
-                  <a:srgbClr val="A42526"/>
-                </a:solidFill>
-              </a:rPr>
-              <a:t>fecha</a:t>
-            </a:r>
-            <a:r>
-              <a:rPr lang="en-US" sz="2400" b="1" dirty="0">
-                <a:solidFill>
-                  <a:srgbClr val="A42526"/>
-                </a:solidFill>
-              </a:rPr>
-              <a:t> </a:t>
-            </a:r>
-            <a:r>
-              <a:rPr lang="en-US" sz="2400" b="1" dirty="0" err="1">
-                <a:solidFill>
-                  <a:srgbClr val="A42526"/>
-                </a:solidFill>
-              </a:rPr>
-              <a:t>comprar</a:t>
-            </a:r>
-            <a:r>
-              <a:rPr lang="en-US" sz="2400" b="1" dirty="0">
-                <a:solidFill>
-                  <a:srgbClr val="A42526"/>
-                </a:solidFill>
-              </a:rPr>
-              <a:t>? </a:t>
-            </a:r>
-            <a:endParaRPr lang="es-DO" sz="2400" b="1" dirty="0">
-              <a:solidFill>
-                <a:srgbClr val="A42526"/>
-              </a:solidFill>
-            </a:endParaRPr>
-          </a:p>
-        </p:txBody>
-      </p:sp>
-    </p:spTree>
-    <p:extLst>
-      <p:ext uri="{BB962C8B-B14F-4D97-AF65-F5344CB8AC3E}">
-        <p14:creationId xmlns:p14="http://schemas.microsoft.com/office/powerpoint/2010/main" val="3858755748"/>
-      </p:ext>
-    </p:extLst>
-  </p:cSld>
-  <p:clrMapOvr>
-    <a:masterClrMapping/>
-  </p:clrMapOvr>
-  <mc:AlternateContent xmlns:mc="http://schemas.openxmlformats.org/markup-compatibility/2006" xmlns:p14="http://schemas.microsoft.com/office/powerpoint/2010/main">
-    <mc:Choice Requires="p14">
-      <p:transition spd="med" p14:dur="700">
-        <p:fade/>
-      </p:transition>
-    </mc:Choice>
-    <mc:Fallback xmlns="">
-      <p:transition spd="med">
-        <p:fade/>
-      </p:transition>
-    </mc:Fallback>
-  </mc:AlternateContent>
-</p:sld>
-</file>
-
-<file path=ppt/slides/slide7.xml><?xml version="1.0" encoding="utf-8"?>
-<p:sld xmlns:a="http://schemas.openxmlformats.org/drawingml/2006/main" xmlns:r="http://schemas.openxmlformats.org/officeDocument/2006/relationships" xmlns:p="http://schemas.openxmlformats.org/presentationml/2006/main">
-  <p:cSld>
-    <p:spTree>
-      <p:nvGrpSpPr>
-        <p:cNvPr id="1" name=""/>
-        <p:cNvGrpSpPr/>
-        <p:nvPr/>
-      </p:nvGrpSpPr>
-      <p:grpSpPr>
-        <a:xfrm>
-          <a:off x="0" y="0"/>
-          <a:ext cx="0" cy="0"/>
-          <a:chOff x="0" y="0"/>
-          <a:chExt cx="0" cy="0"/>
-        </a:xfrm>
-      </p:grpSpPr>
-      <p:sp>
-        <p:nvSpPr>
-          <p:cNvPr id="2" name="Título 1">
-            <a:extLst>
-              <a:ext uri="{FF2B5EF4-FFF2-40B4-BE49-F238E27FC236}">
-                <a16:creationId xmlns:a16="http://schemas.microsoft.com/office/drawing/2014/main" id="{A4127A99-9C3A-5514-367E-9FCAD5DA9EEC}"/>
-              </a:ext>
-            </a:extLst>
-          </p:cNvPr>
-          <p:cNvSpPr>
-            <a:spLocks noGrp="1"/>
-          </p:cNvSpPr>
-          <p:nvPr>
-            <p:ph type="ctrTitle"/>
-          </p:nvPr>
-        </p:nvSpPr>
-        <p:spPr>
-          <a:xfrm>
-            <a:off x="387714" y="2349273"/>
-            <a:ext cx="8144135" cy="1373070"/>
-          </a:xfrm>
-        </p:spPr>
-        <p:txBody>
-          <a:bodyPr/>
-          <a:lstStyle/>
-          <a:p>
-            <a:pPr algn="ctr"/>
-            <a:r>
-              <a:rPr lang="es-ES" sz="3600" b="1" dirty="0">
-                <a:solidFill>
-                  <a:srgbClr val="A42526"/>
-                </a:solidFill>
-                <a:latin typeface="Arial" panose="020B0604020202020204" pitchFamily="34" charset="0"/>
-                <a:cs typeface="Arial" panose="020B0604020202020204" pitchFamily="34" charset="0"/>
-              </a:rPr>
-              <a:t>Sistematización</a:t>
-            </a:r>
-            <a:r>
-              <a:rPr lang="es-ES" sz="4000" b="1" dirty="0">
-                <a:solidFill>
-                  <a:srgbClr val="A42526"/>
-                </a:solidFill>
-                <a:latin typeface="Arial" panose="020B0604020202020204" pitchFamily="34" charset="0"/>
-                <a:cs typeface="Arial" panose="020B0604020202020204" pitchFamily="34" charset="0"/>
-              </a:rPr>
-              <a:t> del Problema</a:t>
-            </a:r>
-            <a:endParaRPr lang="es-DO" dirty="0"/>
-          </a:p>
-        </p:txBody>
-      </p:sp>
-      <p:sp>
-        <p:nvSpPr>
-          <p:cNvPr id="3" name="Subtítulo 2">
-            <a:extLst>
-              <a:ext uri="{FF2B5EF4-FFF2-40B4-BE49-F238E27FC236}">
-                <a16:creationId xmlns:a16="http://schemas.microsoft.com/office/drawing/2014/main" id="{017745CB-41A3-BF33-59BA-84D5CD937524}"/>
-              </a:ext>
-            </a:extLst>
-          </p:cNvPr>
-          <p:cNvSpPr>
-            <a:spLocks noGrp="1"/>
-          </p:cNvSpPr>
-          <p:nvPr>
-            <p:ph type="subTitle" idx="1"/>
-          </p:nvPr>
-        </p:nvSpPr>
-        <p:spPr/>
+            <a:off x="5977128" y="2923170"/>
+            <a:ext cx="5672328" cy="1564567"/>
+          </a:xfrm>
+        </p:spPr>
         <p:txBody>
           <a:bodyPr>
             <a:noAutofit/>
           </a:bodyPr>
           <a:lstStyle/>
           <a:p>
-            <a:pPr marL="285750" indent="-285750" algn="l">
-              <a:buFont typeface="Arial" panose="020B0604020202020204" pitchFamily="34" charset="0"/>
-              <a:buChar char="•"/>
-            </a:pPr>
+            <a:pPr algn="just"/>
             <a:r>
-              <a:rPr lang="es-DO" sz="2800" b="1" dirty="0">
-                <a:solidFill>
-                  <a:schemeClr val="accent1"/>
-                </a:solidFill>
-              </a:rPr>
-              <a:t>Funcionalidades.</a:t>
-            </a:r>
-          </a:p>
-          <a:p>
-            <a:pPr marL="285750" indent="-285750" algn="l">
-              <a:buFont typeface="Arial" panose="020B0604020202020204" pitchFamily="34" charset="0"/>
-              <a:buChar char="•"/>
-            </a:pPr>
-            <a:r>
-              <a:rPr lang="es-DO" sz="2800" b="1" dirty="0">
-                <a:solidFill>
-                  <a:schemeClr val="accent1"/>
-                </a:solidFill>
-              </a:rPr>
-              <a:t>Actualización de precios.</a:t>
-            </a:r>
-          </a:p>
-          <a:p>
-            <a:pPr marL="285750" indent="-285750" algn="l">
-              <a:buFont typeface="Arial" panose="020B0604020202020204" pitchFamily="34" charset="0"/>
-              <a:buChar char="•"/>
-            </a:pPr>
-            <a:r>
-              <a:rPr lang="es-DO" sz="2800" b="1" dirty="0">
-                <a:solidFill>
-                  <a:schemeClr val="accent1"/>
-                </a:solidFill>
-              </a:rPr>
-              <a:t>Calculo de costo.</a:t>
-            </a:r>
-          </a:p>
-          <a:p>
-            <a:pPr marL="285750" indent="-285750" algn="l">
-              <a:buFont typeface="Arial" panose="020B0604020202020204" pitchFamily="34" charset="0"/>
-              <a:buChar char="•"/>
-            </a:pPr>
-            <a:r>
-              <a:rPr lang="es-DO" sz="2800" b="1" dirty="0">
-                <a:solidFill>
-                  <a:schemeClr val="accent1"/>
-                </a:solidFill>
-              </a:rPr>
-              <a:t>Impacto en el usuario.</a:t>
-            </a:r>
-          </a:p>
-        </p:txBody>
-      </p:sp>
-    </p:spTree>
-    <p:extLst>
-      <p:ext uri="{BB962C8B-B14F-4D97-AF65-F5344CB8AC3E}">
-        <p14:creationId xmlns:p14="http://schemas.microsoft.com/office/powerpoint/2010/main" val="4231288972"/>
-      </p:ext>
-    </p:extLst>
-  </p:cSld>
-  <p:clrMapOvr>
-    <a:masterClrMapping/>
-  </p:clrMapOvr>
-  <mc:AlternateContent xmlns:mc="http://schemas.openxmlformats.org/markup-compatibility/2006" xmlns:p14="http://schemas.microsoft.com/office/powerpoint/2010/main">
-    <mc:Choice Requires="p14">
-      <p:transition spd="med" p14:dur="700">
-        <p:fade/>
-      </p:transition>
-    </mc:Choice>
-    <mc:Fallback xmlns="">
-      <p:transition spd="med">
-        <p:fade/>
-      </p:transition>
-    </mc:Fallback>
-  </mc:AlternateContent>
-</p:sld>
-</file>
-
-<file path=ppt/slides/slide8.xml><?xml version="1.0" encoding="utf-8"?>
-<p:sld xmlns:a="http://schemas.openxmlformats.org/drawingml/2006/main" xmlns:r="http://schemas.openxmlformats.org/officeDocument/2006/relationships" xmlns:p="http://schemas.openxmlformats.org/presentationml/2006/main">
-  <p:cSld>
-    <p:spTree>
-      <p:nvGrpSpPr>
-        <p:cNvPr id="1" name=""/>
-        <p:cNvGrpSpPr/>
-        <p:nvPr/>
-      </p:nvGrpSpPr>
-      <p:grpSpPr>
-        <a:xfrm>
-          <a:off x="0" y="0"/>
-          <a:ext cx="0" cy="0"/>
-          <a:chOff x="0" y="0"/>
-          <a:chExt cx="0" cy="0"/>
-        </a:xfrm>
-      </p:grpSpPr>
-      <p:sp>
-        <p:nvSpPr>
-          <p:cNvPr id="5" name="Título 4"/>
-          <p:cNvSpPr>
-            <a:spLocks noGrp="1"/>
-          </p:cNvSpPr>
-          <p:nvPr>
-            <p:ph type="title"/>
-          </p:nvPr>
-        </p:nvSpPr>
-        <p:spPr>
-          <a:xfrm>
-            <a:off x="348344" y="548641"/>
-            <a:ext cx="10061748" cy="1097280"/>
-          </a:xfrm>
-        </p:spPr>
-        <p:txBody>
-          <a:bodyPr vert="horz" lIns="91440" tIns="45720" rIns="91440" bIns="45720" rtlCol="0" anchor="b">
-            <a:noAutofit/>
-          </a:bodyPr>
-          <a:lstStyle/>
-          <a:p>
-            <a:pPr algn="ctr"/>
-            <a:r>
-              <a:rPr lang="es-ES" sz="3600" b="1" dirty="0">
-                <a:solidFill>
-                  <a:srgbClr val="A42526"/>
-                </a:solidFill>
-                <a:latin typeface="Arial" panose="020B0604020202020204" pitchFamily="34" charset="0"/>
-                <a:cs typeface="Arial" panose="020B0604020202020204" pitchFamily="34" charset="0"/>
-              </a:rPr>
-              <a:t>Objetivos</a:t>
-            </a:r>
-            <a:endParaRPr lang="es-CR" sz="3600" b="1" dirty="0">
-              <a:solidFill>
-                <a:srgbClr val="A42526"/>
-              </a:solidFill>
-              <a:latin typeface="Arial" panose="020B0604020202020204" pitchFamily="34" charset="0"/>
-              <a:cs typeface="Arial" panose="020B0604020202020204" pitchFamily="34" charset="0"/>
-            </a:endParaRPr>
-          </a:p>
-        </p:txBody>
-      </p:sp>
-      <p:sp>
-        <p:nvSpPr>
-          <p:cNvPr id="10" name="Rectángulo 9">
-            <a:extLst>
-              <a:ext uri="{FF2B5EF4-FFF2-40B4-BE49-F238E27FC236}">
-                <a16:creationId xmlns:a16="http://schemas.microsoft.com/office/drawing/2014/main" id="{34A72687-D7DF-816F-9756-BB399008FE17}"/>
-              </a:ext>
-            </a:extLst>
-          </p:cNvPr>
-          <p:cNvSpPr/>
-          <p:nvPr/>
-        </p:nvSpPr>
-        <p:spPr>
-          <a:xfrm>
-            <a:off x="0" y="9144"/>
-            <a:ext cx="12192000" cy="6858000"/>
-          </a:xfrm>
-          <a:prstGeom prst="rect">
-            <a:avLst/>
-          </a:prstGeom>
-          <a:noFill/>
-          <a:ln w="76200">
-            <a:solidFill>
-              <a:srgbClr val="C00000"/>
-            </a:solidFill>
-          </a:ln>
-          <a:scene3d>
-            <a:camera prst="orthographicFront"/>
-            <a:lightRig rig="threePt" dir="t"/>
-          </a:scene3d>
-          <a:sp3d>
-            <a:bevelT prst="angle"/>
-          </a:sp3d>
-        </p:spPr>
-        <p:style>
-          <a:lnRef idx="2">
-            <a:schemeClr val="accent1">
-              <a:shade val="50000"/>
-            </a:schemeClr>
-          </a:lnRef>
-          <a:fillRef idx="1">
-            <a:schemeClr val="accent1"/>
-          </a:fillRef>
-          <a:effectRef idx="0">
-            <a:schemeClr val="accent1"/>
-          </a:effectRef>
-          <a:fontRef idx="minor">
-            <a:schemeClr val="lt1"/>
-          </a:fontRef>
-        </p:style>
-        <p:txBody>
-          <a:bodyPr rtlCol="0" anchor="ctr"/>
-          <a:lstStyle/>
-          <a:p>
-            <a:pPr algn="ctr"/>
-            <a:endParaRPr lang="es-CR" dirty="0"/>
-          </a:p>
-        </p:txBody>
-      </p:sp>
-      <p:sp>
-        <p:nvSpPr>
-          <p:cNvPr id="11" name="Marcador de contenido 2">
-            <a:extLst>
-              <a:ext uri="{FF2B5EF4-FFF2-40B4-BE49-F238E27FC236}">
-                <a16:creationId xmlns:a16="http://schemas.microsoft.com/office/drawing/2014/main" id="{5EE98C81-E83F-BA8F-CB53-BFC6C5C58459}"/>
-              </a:ext>
-            </a:extLst>
-          </p:cNvPr>
-          <p:cNvSpPr>
-            <a:spLocks noGrp="1"/>
-          </p:cNvSpPr>
-          <p:nvPr>
-            <p:ph idx="1"/>
-          </p:nvPr>
-        </p:nvSpPr>
-        <p:spPr>
-          <a:xfrm>
-            <a:off x="680322" y="2538041"/>
-            <a:ext cx="9613861" cy="1564567"/>
-          </a:xfrm>
-        </p:spPr>
-        <p:txBody>
-          <a:bodyPr>
-            <a:normAutofit/>
-          </a:bodyPr>
-          <a:lstStyle/>
-          <a:p>
-            <a:r>
-              <a:rPr lang="es-ES" sz="2400" b="1" dirty="0">
+              <a:rPr lang="es-ES" sz="2800" b="1" dirty="0">
                 <a:solidFill>
                   <a:srgbClr val="A52526"/>
                 </a:solidFill>
@@ -15434,12 +14356,14 @@
             </a:r>
           </a:p>
           <a:p>
-            <a:pPr lvl="1"/>
+            <a:pPr marL="342900" lvl="1" indent="0" algn="just">
+              <a:buNone/>
+            </a:pPr>
             <a:r>
-              <a:rPr lang="es-ES" sz="1800" dirty="0"/>
+              <a:rPr lang="es-ES" sz="2800" dirty="0"/>
               <a:t>Desarrollar una aplicación móvil que permita a los consumidores comparar precios de productos en diferentes supermercados, optimizando sus compras en términos de costos y tiempo</a:t>
             </a:r>
-            <a:endParaRPr lang="es-CR" sz="1800" dirty="0">
+            <a:endParaRPr lang="es-CR" sz="2800" dirty="0">
               <a:latin typeface="Arial" panose="020B0604020202020204" pitchFamily="34" charset="0"/>
               <a:cs typeface="Arial" panose="020B0604020202020204" pitchFamily="34" charset="0"/>
             </a:endParaRPr>
@@ -15462,8 +14386,8 @@
         </p:nvSpPr>
         <p:spPr>
           <a:xfrm>
-            <a:off x="680322" y="4741744"/>
-            <a:ext cx="9613861" cy="1564567"/>
+            <a:off x="5815584" y="4741744"/>
+            <a:ext cx="4478599" cy="1564567"/>
           </a:xfrm>
           <a:prstGeom prst="rect">
             <a:avLst/>
@@ -15638,30 +14562,6 @@
             </a:lvl9pPr>
           </a:lstStyle>
           <a:p>
-            <a:r>
-              <a:rPr lang="es-ES" sz="2400" b="1" dirty="0">
-                <a:solidFill>
-                  <a:srgbClr val="A50021"/>
-                </a:solidFill>
-                <a:latin typeface="Arial" panose="020B0604020202020204" pitchFamily="34" charset="0"/>
-                <a:cs typeface="Arial" panose="020B0604020202020204" pitchFamily="34" charset="0"/>
-              </a:rPr>
-              <a:t>Objetivos Específicos: </a:t>
-            </a:r>
-          </a:p>
-          <a:p>
-            <a:pPr lvl="1"/>
-            <a:r>
-              <a:rPr lang="es-ES" sz="1800" dirty="0"/>
-              <a:t>Implementar una plataforma que muestre precios actualizados de productos en distintos supermercados.</a:t>
-            </a:r>
-          </a:p>
-          <a:p>
-            <a:pPr lvl="1"/>
-            <a:r>
-              <a:rPr lang="es-ES" sz="1800" dirty="0"/>
-              <a:t>Diseñar un sistema que permita calcular el costo total de una compra basada en la combinación óptima de precios.</a:t>
-            </a:r>
             <a:endParaRPr lang="es-ES" sz="1800" dirty="0">
               <a:latin typeface="Arial" panose="020B0604020202020204" pitchFamily="34" charset="0"/>
               <a:cs typeface="Arial" panose="020B0604020202020204" pitchFamily="34" charset="0"/>
@@ -15669,6 +14569,36 @@
           </a:p>
         </p:txBody>
       </p:sp>
+      <p:pic>
+        <p:nvPicPr>
+          <p:cNvPr id="2" name="Picture 1">
+            <a:extLst>
+              <a:ext uri="{FF2B5EF4-FFF2-40B4-BE49-F238E27FC236}">
+                <a16:creationId xmlns:a16="http://schemas.microsoft.com/office/drawing/2014/main" id="{3D472499-F056-40F5-9A03-2BE50640F8A6}"/>
+              </a:ext>
+            </a:extLst>
+          </p:cNvPr>
+          <p:cNvPicPr>
+            <a:picLocks noChangeAspect="1"/>
+          </p:cNvPicPr>
+          <p:nvPr/>
+        </p:nvPicPr>
+        <p:blipFill>
+          <a:blip r:embed="rId2"/>
+          <a:stretch>
+            <a:fillRect/>
+          </a:stretch>
+        </p:blipFill>
+        <p:spPr>
+          <a:xfrm>
+            <a:off x="703870" y="3320324"/>
+            <a:ext cx="5111714" cy="2334827"/>
+          </a:xfrm>
+          <a:prstGeom prst="rect">
+            <a:avLst/>
+          </a:prstGeom>
+        </p:spPr>
+      </p:pic>
     </p:spTree>
     <p:extLst>
       <p:ext uri="{BB962C8B-B14F-4D97-AF65-F5344CB8AC3E}">
@@ -15690,7 +14620,438 @@
 </p:sld>
 </file>
 
-<file path=ppt/slides/slide9.xml><?xml version="1.0" encoding="utf-8"?>
+<file path=ppt/slides/slide11.xml><?xml version="1.0" encoding="utf-8"?>
+<p:sld xmlns:a="http://schemas.openxmlformats.org/drawingml/2006/main" xmlns:r="http://schemas.openxmlformats.org/officeDocument/2006/relationships" xmlns:p="http://schemas.openxmlformats.org/presentationml/2006/main">
+  <p:cSld>
+    <p:spTree>
+      <p:nvGrpSpPr>
+        <p:cNvPr id="1" name=""/>
+        <p:cNvGrpSpPr/>
+        <p:nvPr/>
+      </p:nvGrpSpPr>
+      <p:grpSpPr>
+        <a:xfrm>
+          <a:off x="0" y="0"/>
+          <a:ext cx="0" cy="0"/>
+          <a:chOff x="0" y="0"/>
+          <a:chExt cx="0" cy="0"/>
+        </a:xfrm>
+      </p:grpSpPr>
+      <p:sp>
+        <p:nvSpPr>
+          <p:cNvPr id="5" name="Título 4"/>
+          <p:cNvSpPr>
+            <a:spLocks noGrp="1"/>
+          </p:cNvSpPr>
+          <p:nvPr>
+            <p:ph type="title"/>
+          </p:nvPr>
+        </p:nvSpPr>
+        <p:spPr>
+          <a:xfrm>
+            <a:off x="348344" y="548641"/>
+            <a:ext cx="10061748" cy="1097280"/>
+          </a:xfrm>
+        </p:spPr>
+        <p:txBody>
+          <a:bodyPr vert="horz" lIns="91440" tIns="45720" rIns="91440" bIns="45720" rtlCol="0" anchor="b">
+            <a:noAutofit/>
+          </a:bodyPr>
+          <a:lstStyle/>
+          <a:p>
+            <a:pPr algn="ctr"/>
+            <a:r>
+              <a:rPr lang="es-ES" sz="3600" b="1" dirty="0">
+                <a:solidFill>
+                  <a:srgbClr val="A42526"/>
+                </a:solidFill>
+                <a:latin typeface="Arial" panose="020B0604020202020204" pitchFamily="34" charset="0"/>
+                <a:cs typeface="Arial" panose="020B0604020202020204" pitchFamily="34" charset="0"/>
+              </a:rPr>
+              <a:t>Objetivos</a:t>
+            </a:r>
+            <a:endParaRPr lang="es-CR" sz="3600" b="1" dirty="0">
+              <a:solidFill>
+                <a:srgbClr val="A42526"/>
+              </a:solidFill>
+              <a:latin typeface="Arial" panose="020B0604020202020204" pitchFamily="34" charset="0"/>
+              <a:cs typeface="Arial" panose="020B0604020202020204" pitchFamily="34" charset="0"/>
+            </a:endParaRPr>
+          </a:p>
+        </p:txBody>
+      </p:sp>
+      <p:sp>
+        <p:nvSpPr>
+          <p:cNvPr id="10" name="Rectángulo 9">
+            <a:extLst>
+              <a:ext uri="{FF2B5EF4-FFF2-40B4-BE49-F238E27FC236}">
+                <a16:creationId xmlns:a16="http://schemas.microsoft.com/office/drawing/2014/main" id="{34A72687-D7DF-816F-9756-BB399008FE17}"/>
+              </a:ext>
+            </a:extLst>
+          </p:cNvPr>
+          <p:cNvSpPr/>
+          <p:nvPr/>
+        </p:nvSpPr>
+        <p:spPr>
+          <a:xfrm>
+            <a:off x="0" y="0"/>
+            <a:ext cx="12192000" cy="6858000"/>
+          </a:xfrm>
+          <a:prstGeom prst="rect">
+            <a:avLst/>
+          </a:prstGeom>
+          <a:noFill/>
+          <a:ln w="76200">
+            <a:solidFill>
+              <a:srgbClr val="C00000"/>
+            </a:solidFill>
+          </a:ln>
+          <a:scene3d>
+            <a:camera prst="orthographicFront"/>
+            <a:lightRig rig="threePt" dir="t"/>
+          </a:scene3d>
+          <a:sp3d>
+            <a:bevelT prst="angle"/>
+          </a:sp3d>
+        </p:spPr>
+        <p:style>
+          <a:lnRef idx="2">
+            <a:schemeClr val="accent1">
+              <a:shade val="50000"/>
+            </a:schemeClr>
+          </a:lnRef>
+          <a:fillRef idx="1">
+            <a:schemeClr val="accent1"/>
+          </a:fillRef>
+          <a:effectRef idx="0">
+            <a:schemeClr val="accent1"/>
+          </a:effectRef>
+          <a:fontRef idx="minor">
+            <a:schemeClr val="lt1"/>
+          </a:fontRef>
+        </p:style>
+        <p:txBody>
+          <a:bodyPr rtlCol="0" anchor="ctr"/>
+          <a:lstStyle/>
+          <a:p>
+            <a:pPr algn="ctr"/>
+            <a:endParaRPr lang="es-CR" dirty="0"/>
+          </a:p>
+        </p:txBody>
+      </p:sp>
+      <p:sp>
+        <p:nvSpPr>
+          <p:cNvPr id="11" name="Marcador de contenido 2">
+            <a:extLst>
+              <a:ext uri="{FF2B5EF4-FFF2-40B4-BE49-F238E27FC236}">
+                <a16:creationId xmlns:a16="http://schemas.microsoft.com/office/drawing/2014/main" id="{5EE98C81-E83F-BA8F-CB53-BFC6C5C58459}"/>
+              </a:ext>
+            </a:extLst>
+          </p:cNvPr>
+          <p:cNvSpPr>
+            <a:spLocks noGrp="1"/>
+          </p:cNvSpPr>
+          <p:nvPr>
+            <p:ph idx="1"/>
+          </p:nvPr>
+        </p:nvSpPr>
+        <p:spPr>
+          <a:xfrm>
+            <a:off x="6096000" y="2923170"/>
+            <a:ext cx="5306568" cy="1564567"/>
+          </a:xfrm>
+        </p:spPr>
+        <p:txBody>
+          <a:bodyPr>
+            <a:noAutofit/>
+          </a:bodyPr>
+          <a:lstStyle/>
+          <a:p>
+            <a:pPr marL="0" indent="0" algn="just">
+              <a:buNone/>
+            </a:pPr>
+            <a:r>
+              <a:rPr lang="es-ES" sz="2400" b="1" dirty="0">
+                <a:solidFill>
+                  <a:srgbClr val="A50021"/>
+                </a:solidFill>
+                <a:latin typeface="Arial" panose="020B0604020202020204" pitchFamily="34" charset="0"/>
+                <a:cs typeface="Arial" panose="020B0604020202020204" pitchFamily="34" charset="0"/>
+              </a:rPr>
+              <a:t>Objetivos Específicos: </a:t>
+            </a:r>
+          </a:p>
+          <a:p>
+            <a:pPr lvl="1" algn="just"/>
+            <a:r>
+              <a:rPr lang="es-ES" sz="2400" dirty="0"/>
+              <a:t>Implementar una plataforma que muestre precios actualizados de productos en distintos supermercados.</a:t>
+            </a:r>
+          </a:p>
+          <a:p>
+            <a:pPr lvl="1" algn="just"/>
+            <a:r>
+              <a:rPr lang="es-ES" sz="2400" dirty="0"/>
+              <a:t>Diseñar un sistema que permita calcular el costo total de una compra basada en la combinación óptima de precios.</a:t>
+            </a:r>
+            <a:endParaRPr lang="es-ES" sz="2400" dirty="0">
+              <a:latin typeface="Arial" panose="020B0604020202020204" pitchFamily="34" charset="0"/>
+              <a:cs typeface="Arial" panose="020B0604020202020204" pitchFamily="34" charset="0"/>
+            </a:endParaRPr>
+          </a:p>
+        </p:txBody>
+      </p:sp>
+      <p:sp>
+        <p:nvSpPr>
+          <p:cNvPr id="6" name="Marcador de contenido 2">
+            <a:extLst>
+              <a:ext uri="{FF2B5EF4-FFF2-40B4-BE49-F238E27FC236}">
+                <a16:creationId xmlns:a16="http://schemas.microsoft.com/office/drawing/2014/main" id="{0F3186B8-1B98-3DBE-723B-7475EA48F1C2}"/>
+              </a:ext>
+            </a:extLst>
+          </p:cNvPr>
+          <p:cNvSpPr txBox="1">
+            <a:spLocks/>
+          </p:cNvSpPr>
+          <p:nvPr/>
+        </p:nvSpPr>
+        <p:spPr>
+          <a:xfrm>
+            <a:off x="5815584" y="4741744"/>
+            <a:ext cx="4478599" cy="1564567"/>
+          </a:xfrm>
+          <a:prstGeom prst="rect">
+            <a:avLst/>
+          </a:prstGeom>
+        </p:spPr>
+        <p:txBody>
+          <a:bodyPr vert="horz" lIns="91440" tIns="45720" rIns="91440" bIns="45720" rtlCol="0">
+            <a:normAutofit/>
+          </a:bodyPr>
+          <a:lstStyle>
+            <a:lvl1pPr marL="171450" indent="-171450" algn="l" defTabSz="685800" rtl="0" eaLnBrk="1" latinLnBrk="0" hangingPunct="1">
+              <a:lnSpc>
+                <a:spcPct val="90000"/>
+              </a:lnSpc>
+              <a:spcBef>
+                <a:spcPts val="750"/>
+              </a:spcBef>
+              <a:buFont typeface="Arial" panose="020B0604020202020204" pitchFamily="34" charset="0"/>
+              <a:buChar char="•"/>
+              <a:defRPr lang="es-ES" sz="1800" kern="1200">
+                <a:solidFill>
+                  <a:schemeClr val="tx1"/>
+                </a:solidFill>
+                <a:latin typeface="+mn-lt"/>
+                <a:ea typeface="+mn-ea"/>
+                <a:cs typeface="+mn-cs"/>
+              </a:defRPr>
+            </a:lvl1pPr>
+            <a:lvl2pPr marL="514350" indent="-171450" algn="l" defTabSz="685800" rtl="0" eaLnBrk="1" latinLnBrk="0" hangingPunct="1">
+              <a:lnSpc>
+                <a:spcPct val="90000"/>
+              </a:lnSpc>
+              <a:spcBef>
+                <a:spcPts val="375"/>
+              </a:spcBef>
+              <a:buFont typeface="Arial" panose="020B0604020202020204" pitchFamily="34" charset="0"/>
+              <a:buChar char="•"/>
+              <a:defRPr lang="es-ES" sz="1500" kern="1200">
+                <a:solidFill>
+                  <a:schemeClr val="tx1"/>
+                </a:solidFill>
+                <a:latin typeface="+mn-lt"/>
+                <a:ea typeface="+mn-ea"/>
+                <a:cs typeface="+mn-cs"/>
+              </a:defRPr>
+            </a:lvl2pPr>
+            <a:lvl3pPr marL="857250" indent="-171450" algn="l" defTabSz="685800" rtl="0" eaLnBrk="1" latinLnBrk="0" hangingPunct="1">
+              <a:lnSpc>
+                <a:spcPct val="90000"/>
+              </a:lnSpc>
+              <a:spcBef>
+                <a:spcPts val="375"/>
+              </a:spcBef>
+              <a:buFont typeface="Arial" panose="020B0604020202020204" pitchFamily="34" charset="0"/>
+              <a:buChar char="•"/>
+              <a:defRPr lang="es-ES" sz="1350" kern="1200">
+                <a:solidFill>
+                  <a:schemeClr val="tx1"/>
+                </a:solidFill>
+                <a:latin typeface="+mn-lt"/>
+                <a:ea typeface="+mn-ea"/>
+                <a:cs typeface="+mn-cs"/>
+              </a:defRPr>
+            </a:lvl3pPr>
+            <a:lvl4pPr marL="1200150" indent="-171450" algn="l" defTabSz="685800" rtl="0" eaLnBrk="1" latinLnBrk="0" hangingPunct="1">
+              <a:lnSpc>
+                <a:spcPct val="90000"/>
+              </a:lnSpc>
+              <a:spcBef>
+                <a:spcPts val="375"/>
+              </a:spcBef>
+              <a:buFont typeface="Arial" panose="020B0604020202020204" pitchFamily="34" charset="0"/>
+              <a:buChar char="•"/>
+              <a:defRPr lang="es-ES" sz="1200" kern="1200">
+                <a:solidFill>
+                  <a:schemeClr val="tx1"/>
+                </a:solidFill>
+                <a:latin typeface="+mn-lt"/>
+                <a:ea typeface="+mn-ea"/>
+                <a:cs typeface="+mn-cs"/>
+              </a:defRPr>
+            </a:lvl4pPr>
+            <a:lvl5pPr marL="1543050" indent="-171450" algn="l" defTabSz="685800" rtl="0" eaLnBrk="1" latinLnBrk="0" hangingPunct="1">
+              <a:lnSpc>
+                <a:spcPct val="90000"/>
+              </a:lnSpc>
+              <a:spcBef>
+                <a:spcPts val="375"/>
+              </a:spcBef>
+              <a:buFont typeface="Arial" panose="020B0604020202020204" pitchFamily="34" charset="0"/>
+              <a:buChar char="•"/>
+              <a:defRPr lang="es-ES" sz="1200" kern="1200">
+                <a:solidFill>
+                  <a:schemeClr val="tx1"/>
+                </a:solidFill>
+                <a:latin typeface="+mn-lt"/>
+                <a:ea typeface="+mn-ea"/>
+                <a:cs typeface="+mn-cs"/>
+              </a:defRPr>
+            </a:lvl5pPr>
+            <a:lvl6pPr marL="1885950" indent="-171450" algn="l" defTabSz="685800" rtl="0" eaLnBrk="1" latinLnBrk="0" hangingPunct="1">
+              <a:lnSpc>
+                <a:spcPct val="90000"/>
+              </a:lnSpc>
+              <a:spcBef>
+                <a:spcPts val="375"/>
+              </a:spcBef>
+              <a:buFont typeface="Arial" panose="020B0604020202020204" pitchFamily="34" charset="0"/>
+              <a:buChar char="•"/>
+              <a:defRPr lang="es-ES" sz="1050" kern="1200">
+                <a:solidFill>
+                  <a:schemeClr val="tx1"/>
+                </a:solidFill>
+                <a:latin typeface="+mn-lt"/>
+                <a:ea typeface="+mn-ea"/>
+                <a:cs typeface="+mn-cs"/>
+              </a:defRPr>
+            </a:lvl6pPr>
+            <a:lvl7pPr marL="2228850" indent="-171450" algn="l" defTabSz="685800" rtl="0" eaLnBrk="1" latinLnBrk="0" hangingPunct="1">
+              <a:lnSpc>
+                <a:spcPct val="90000"/>
+              </a:lnSpc>
+              <a:spcBef>
+                <a:spcPts val="375"/>
+              </a:spcBef>
+              <a:buFont typeface="Arial" panose="020B0604020202020204" pitchFamily="34" charset="0"/>
+              <a:buChar char="•"/>
+              <a:defRPr lang="es-ES" sz="1050" kern="1200">
+                <a:solidFill>
+                  <a:schemeClr val="tx1"/>
+                </a:solidFill>
+                <a:latin typeface="+mn-lt"/>
+                <a:ea typeface="+mn-ea"/>
+                <a:cs typeface="+mn-cs"/>
+              </a:defRPr>
+            </a:lvl7pPr>
+            <a:lvl8pPr marL="2571750" indent="-171450" algn="l" defTabSz="685800" rtl="0" eaLnBrk="1" latinLnBrk="0" hangingPunct="1">
+              <a:lnSpc>
+                <a:spcPct val="90000"/>
+              </a:lnSpc>
+              <a:spcBef>
+                <a:spcPts val="375"/>
+              </a:spcBef>
+              <a:buFont typeface="Arial" panose="020B0604020202020204" pitchFamily="34" charset="0"/>
+              <a:buChar char="•"/>
+              <a:defRPr lang="es-ES" sz="1050" kern="1200">
+                <a:solidFill>
+                  <a:schemeClr val="tx1"/>
+                </a:solidFill>
+                <a:latin typeface="+mn-lt"/>
+                <a:ea typeface="+mn-ea"/>
+                <a:cs typeface="+mn-cs"/>
+              </a:defRPr>
+            </a:lvl8pPr>
+            <a:lvl9pPr marL="2914650" indent="-171450" algn="l" defTabSz="685800" rtl="0" eaLnBrk="1" latinLnBrk="0" hangingPunct="1">
+              <a:lnSpc>
+                <a:spcPct val="90000"/>
+              </a:lnSpc>
+              <a:spcBef>
+                <a:spcPts val="375"/>
+              </a:spcBef>
+              <a:buFont typeface="Arial" panose="020B0604020202020204" pitchFamily="34" charset="0"/>
+              <a:buChar char="•"/>
+              <a:defRPr lang="es-ES" sz="1050" kern="1200">
+                <a:solidFill>
+                  <a:schemeClr val="tx1"/>
+                </a:solidFill>
+                <a:latin typeface="+mn-lt"/>
+                <a:ea typeface="+mn-ea"/>
+                <a:cs typeface="+mn-cs"/>
+              </a:defRPr>
+            </a:lvl9pPr>
+          </a:lstStyle>
+          <a:p>
+            <a:endParaRPr lang="es-ES" sz="1800" dirty="0">
+              <a:latin typeface="Arial" panose="020B0604020202020204" pitchFamily="34" charset="0"/>
+              <a:cs typeface="Arial" panose="020B0604020202020204" pitchFamily="34" charset="0"/>
+            </a:endParaRPr>
+          </a:p>
+        </p:txBody>
+      </p:sp>
+      <p:pic>
+        <p:nvPicPr>
+          <p:cNvPr id="3" name="Picture 2">
+            <a:extLst>
+              <a:ext uri="{FF2B5EF4-FFF2-40B4-BE49-F238E27FC236}">
+                <a16:creationId xmlns:a16="http://schemas.microsoft.com/office/drawing/2014/main" id="{08770DE7-9452-453A-86AE-4F5259B10374}"/>
+              </a:ext>
+            </a:extLst>
+          </p:cNvPr>
+          <p:cNvPicPr>
+            <a:picLocks noChangeAspect="1"/>
+          </p:cNvPicPr>
+          <p:nvPr/>
+        </p:nvPicPr>
+        <p:blipFill>
+          <a:blip r:embed="rId2"/>
+          <a:stretch>
+            <a:fillRect/>
+          </a:stretch>
+        </p:blipFill>
+        <p:spPr>
+          <a:xfrm>
+            <a:off x="1062100" y="2356310"/>
+            <a:ext cx="4563112" cy="4039164"/>
+          </a:xfrm>
+          <a:prstGeom prst="rect">
+            <a:avLst/>
+          </a:prstGeom>
+        </p:spPr>
+      </p:pic>
+    </p:spTree>
+    <p:extLst>
+      <p:ext uri="{BB962C8B-B14F-4D97-AF65-F5344CB8AC3E}">
+        <p14:creationId xmlns:p14="http://schemas.microsoft.com/office/powerpoint/2010/main" val="436828037"/>
+      </p:ext>
+    </p:extLst>
+  </p:cSld>
+  <p:clrMapOvr>
+    <a:masterClrMapping/>
+  </p:clrMapOvr>
+  <mc:AlternateContent xmlns:mc="http://schemas.openxmlformats.org/markup-compatibility/2006" xmlns:p14="http://schemas.microsoft.com/office/powerpoint/2010/main">
+    <mc:Choice Requires="p14">
+      <p:transition p14:dur="0"/>
+    </mc:Choice>
+    <mc:Fallback xmlns="">
+      <p:transition/>
+    </mc:Fallback>
+  </mc:AlternateContent>
+</p:sld>
+</file>
+
+<file path=ppt/slides/slide12.xml><?xml version="1.0" encoding="utf-8"?>
 <p:sld xmlns:a="http://schemas.openxmlformats.org/drawingml/2006/main" xmlns:r="http://schemas.openxmlformats.org/officeDocument/2006/relationships" xmlns:p="http://schemas.openxmlformats.org/presentationml/2006/main">
   <p:cSld>
     <p:spTree>
@@ -15856,6 +15217,1403 @@
     </mc:Choice>
     <mc:Fallback xmlns="">
       <p:transition/>
+    </mc:Fallback>
+  </mc:AlternateContent>
+</p:sld>
+</file>
+
+<file path=ppt/slides/slide2.xml><?xml version="1.0" encoding="utf-8"?>
+<p:sld xmlns:a="http://schemas.openxmlformats.org/drawingml/2006/main" xmlns:r="http://schemas.openxmlformats.org/officeDocument/2006/relationships" xmlns:p="http://schemas.openxmlformats.org/presentationml/2006/main">
+  <p:cSld>
+    <p:spTree>
+      <p:nvGrpSpPr>
+        <p:cNvPr id="1" name=""/>
+        <p:cNvGrpSpPr/>
+        <p:nvPr/>
+      </p:nvGrpSpPr>
+      <p:grpSpPr>
+        <a:xfrm>
+          <a:off x="0" y="0"/>
+          <a:ext cx="0" cy="0"/>
+          <a:chOff x="0" y="0"/>
+          <a:chExt cx="0" cy="0"/>
+        </a:xfrm>
+      </p:grpSpPr>
+      <p:sp>
+        <p:nvSpPr>
+          <p:cNvPr id="2" name="Título 1">
+            <a:extLst>
+              <a:ext uri="{FF2B5EF4-FFF2-40B4-BE49-F238E27FC236}">
+                <a16:creationId xmlns:a16="http://schemas.microsoft.com/office/drawing/2014/main" id="{43875EDE-499C-EDFF-9FD6-AC09EBC57EDE}"/>
+              </a:ext>
+            </a:extLst>
+          </p:cNvPr>
+          <p:cNvSpPr>
+            <a:spLocks noGrp="1"/>
+          </p:cNvSpPr>
+          <p:nvPr>
+            <p:ph type="ctrTitle"/>
+          </p:nvPr>
+        </p:nvSpPr>
+        <p:spPr>
+          <a:xfrm>
+            <a:off x="146474" y="2733709"/>
+            <a:ext cx="8804486" cy="1373070"/>
+          </a:xfrm>
+        </p:spPr>
+        <p:txBody>
+          <a:bodyPr/>
+          <a:lstStyle/>
+          <a:p>
+            <a:pPr algn="l"/>
+            <a:r>
+              <a:rPr lang="es-CR" sz="3600" b="1" dirty="0">
+                <a:solidFill>
+                  <a:srgbClr val="A42526"/>
+                </a:solidFill>
+                <a:latin typeface="Arial" panose="020B0604020202020204" pitchFamily="34" charset="0"/>
+                <a:cs typeface="Arial" panose="020B0604020202020204" pitchFamily="34" charset="0"/>
+              </a:rPr>
+              <a:t>CAPÍTULO I: Aspectos Introductorios y  </a:t>
+            </a:r>
+            <a:br>
+              <a:rPr lang="es-CR" sz="3600" b="1" dirty="0">
+                <a:solidFill>
+                  <a:srgbClr val="A42526"/>
+                </a:solidFill>
+                <a:latin typeface="Arial" panose="020B0604020202020204" pitchFamily="34" charset="0"/>
+                <a:cs typeface="Arial" panose="020B0604020202020204" pitchFamily="34" charset="0"/>
+              </a:rPr>
+            </a:br>
+            <a:r>
+              <a:rPr lang="es-CR" sz="3600" b="1" dirty="0">
+                <a:solidFill>
+                  <a:srgbClr val="A42526"/>
+                </a:solidFill>
+                <a:latin typeface="Arial" panose="020B0604020202020204" pitchFamily="34" charset="0"/>
+                <a:cs typeface="Arial" panose="020B0604020202020204" pitchFamily="34" charset="0"/>
+              </a:rPr>
+              <a:t>                      Normativos del Proyecto</a:t>
+            </a:r>
+            <a:endParaRPr lang="es-CR" sz="3600" dirty="0">
+              <a:solidFill>
+                <a:srgbClr val="A42526"/>
+              </a:solidFill>
+            </a:endParaRPr>
+          </a:p>
+        </p:txBody>
+      </p:sp>
+    </p:spTree>
+    <p:extLst>
+      <p:ext uri="{BB962C8B-B14F-4D97-AF65-F5344CB8AC3E}">
+        <p14:creationId xmlns:p14="http://schemas.microsoft.com/office/powerpoint/2010/main" val="2710639712"/>
+      </p:ext>
+    </p:extLst>
+  </p:cSld>
+  <p:clrMapOvr>
+    <a:masterClrMapping/>
+  </p:clrMapOvr>
+  <mc:AlternateContent xmlns:mc="http://schemas.openxmlformats.org/markup-compatibility/2006" xmlns:p14="http://schemas.microsoft.com/office/powerpoint/2010/main">
+    <mc:Choice Requires="p14">
+      <p:transition p14:dur="0"/>
+    </mc:Choice>
+    <mc:Fallback xmlns="">
+      <p:transition/>
+    </mc:Fallback>
+  </mc:AlternateContent>
+</p:sld>
+</file>
+
+<file path=ppt/slides/slide3.xml><?xml version="1.0" encoding="utf-8"?>
+<p:sld xmlns:a="http://schemas.openxmlformats.org/drawingml/2006/main" xmlns:r="http://schemas.openxmlformats.org/officeDocument/2006/relationships" xmlns:p="http://schemas.openxmlformats.org/presentationml/2006/main">
+  <p:cSld>
+    <p:spTree>
+      <p:nvGrpSpPr>
+        <p:cNvPr id="1" name=""/>
+        <p:cNvGrpSpPr/>
+        <p:nvPr/>
+      </p:nvGrpSpPr>
+      <p:grpSpPr>
+        <a:xfrm>
+          <a:off x="0" y="0"/>
+          <a:ext cx="0" cy="0"/>
+          <a:chOff x="0" y="0"/>
+          <a:chExt cx="0" cy="0"/>
+        </a:xfrm>
+      </p:grpSpPr>
+      <p:sp>
+        <p:nvSpPr>
+          <p:cNvPr id="5" name="Título 4"/>
+          <p:cNvSpPr>
+            <a:spLocks noGrp="1"/>
+          </p:cNvSpPr>
+          <p:nvPr>
+            <p:ph type="title"/>
+          </p:nvPr>
+        </p:nvSpPr>
+        <p:spPr>
+          <a:xfrm>
+            <a:off x="348344" y="548641"/>
+            <a:ext cx="10061748" cy="1097280"/>
+          </a:xfrm>
+        </p:spPr>
+        <p:txBody>
+          <a:bodyPr vert="horz" lIns="91440" tIns="45720" rIns="91440" bIns="45720" rtlCol="0" anchor="b">
+            <a:noAutofit/>
+          </a:bodyPr>
+          <a:lstStyle/>
+          <a:p>
+            <a:pPr algn="ctr"/>
+            <a:r>
+              <a:rPr lang="es-CR" sz="3600" b="1" dirty="0">
+                <a:solidFill>
+                  <a:srgbClr val="A42526"/>
+                </a:solidFill>
+                <a:latin typeface="Arial" panose="020B0604020202020204" pitchFamily="34" charset="0"/>
+                <a:cs typeface="Arial" panose="020B0604020202020204" pitchFamily="34" charset="0"/>
+              </a:rPr>
+              <a:t>Delimitación del Tema</a:t>
+            </a:r>
+          </a:p>
+        </p:txBody>
+      </p:sp>
+      <p:sp>
+        <p:nvSpPr>
+          <p:cNvPr id="10" name="Rectángulo 9">
+            <a:extLst>
+              <a:ext uri="{FF2B5EF4-FFF2-40B4-BE49-F238E27FC236}">
+                <a16:creationId xmlns:a16="http://schemas.microsoft.com/office/drawing/2014/main" id="{34A72687-D7DF-816F-9756-BB399008FE17}"/>
+              </a:ext>
+            </a:extLst>
+          </p:cNvPr>
+          <p:cNvSpPr/>
+          <p:nvPr/>
+        </p:nvSpPr>
+        <p:spPr>
+          <a:xfrm>
+            <a:off x="0" y="0"/>
+            <a:ext cx="12192000" cy="6858000"/>
+          </a:xfrm>
+          <a:prstGeom prst="rect">
+            <a:avLst/>
+          </a:prstGeom>
+          <a:noFill/>
+          <a:ln w="76200">
+            <a:solidFill>
+              <a:srgbClr val="C00000"/>
+            </a:solidFill>
+          </a:ln>
+          <a:scene3d>
+            <a:camera prst="orthographicFront"/>
+            <a:lightRig rig="threePt" dir="t"/>
+          </a:scene3d>
+          <a:sp3d>
+            <a:bevelT prst="angle"/>
+          </a:sp3d>
+        </p:spPr>
+        <p:style>
+          <a:lnRef idx="2">
+            <a:schemeClr val="accent1">
+              <a:shade val="50000"/>
+            </a:schemeClr>
+          </a:lnRef>
+          <a:fillRef idx="1">
+            <a:schemeClr val="accent1"/>
+          </a:fillRef>
+          <a:effectRef idx="0">
+            <a:schemeClr val="accent1"/>
+          </a:effectRef>
+          <a:fontRef idx="minor">
+            <a:schemeClr val="lt1"/>
+          </a:fontRef>
+        </p:style>
+        <p:txBody>
+          <a:bodyPr rtlCol="0" anchor="ctr"/>
+          <a:lstStyle/>
+          <a:p>
+            <a:pPr algn="ctr"/>
+            <a:endParaRPr lang="es-CR" dirty="0"/>
+          </a:p>
+        </p:txBody>
+      </p:sp>
+      <p:sp>
+        <p:nvSpPr>
+          <p:cNvPr id="11" name="Marcador de contenido 2">
+            <a:extLst>
+              <a:ext uri="{FF2B5EF4-FFF2-40B4-BE49-F238E27FC236}">
+                <a16:creationId xmlns:a16="http://schemas.microsoft.com/office/drawing/2014/main" id="{5EE98C81-E83F-BA8F-CB53-BFC6C5C58459}"/>
+              </a:ext>
+            </a:extLst>
+          </p:cNvPr>
+          <p:cNvSpPr>
+            <a:spLocks noGrp="1"/>
+          </p:cNvSpPr>
+          <p:nvPr>
+            <p:ph idx="1"/>
+          </p:nvPr>
+        </p:nvSpPr>
+        <p:spPr>
+          <a:xfrm>
+            <a:off x="6096000" y="3324238"/>
+            <a:ext cx="4497530" cy="1522082"/>
+          </a:xfrm>
+        </p:spPr>
+        <p:txBody>
+          <a:bodyPr>
+            <a:normAutofit/>
+          </a:bodyPr>
+          <a:lstStyle/>
+          <a:p>
+            <a:r>
+              <a:rPr lang="en-US" sz="2800" b="1" dirty="0"/>
+              <a:t>Delimitación Espacial</a:t>
+            </a:r>
+            <a:r>
+              <a:rPr lang="en-US" sz="2800" dirty="0"/>
+              <a:t> </a:t>
+            </a:r>
+          </a:p>
+          <a:p>
+            <a:r>
+              <a:rPr lang="en-US" sz="2800" b="1" dirty="0"/>
+              <a:t>Delimitación Temporal</a:t>
+            </a:r>
+            <a:r>
+              <a:rPr lang="en-US" sz="2800" dirty="0"/>
+              <a:t> </a:t>
+            </a:r>
+          </a:p>
+          <a:p>
+            <a:r>
+              <a:rPr lang="en-US" sz="2800" b="1" dirty="0"/>
+              <a:t>Delimitación Poblacional</a:t>
+            </a:r>
+            <a:endParaRPr lang="es-CR" sz="2800" b="1" dirty="0">
+              <a:latin typeface="Arial" panose="020B0604020202020204" pitchFamily="34" charset="0"/>
+              <a:cs typeface="Arial" panose="020B0604020202020204" pitchFamily="34" charset="0"/>
+            </a:endParaRPr>
+          </a:p>
+        </p:txBody>
+      </p:sp>
+      <p:pic>
+        <p:nvPicPr>
+          <p:cNvPr id="4" name="Picture 3">
+            <a:extLst>
+              <a:ext uri="{FF2B5EF4-FFF2-40B4-BE49-F238E27FC236}">
+                <a16:creationId xmlns:a16="http://schemas.microsoft.com/office/drawing/2014/main" id="{65D60585-4FF0-4E12-8BDA-F96A92A4213A}"/>
+              </a:ext>
+            </a:extLst>
+          </p:cNvPr>
+          <p:cNvPicPr>
+            <a:picLocks noChangeAspect="1"/>
+          </p:cNvPicPr>
+          <p:nvPr/>
+        </p:nvPicPr>
+        <p:blipFill>
+          <a:blip r:embed="rId2"/>
+          <a:stretch>
+            <a:fillRect/>
+          </a:stretch>
+        </p:blipFill>
+        <p:spPr>
+          <a:xfrm>
+            <a:off x="881688" y="2714747"/>
+            <a:ext cx="4497530" cy="2989376"/>
+          </a:xfrm>
+          <a:prstGeom prst="rect">
+            <a:avLst/>
+          </a:prstGeom>
+        </p:spPr>
+      </p:pic>
+    </p:spTree>
+    <p:extLst>
+      <p:ext uri="{BB962C8B-B14F-4D97-AF65-F5344CB8AC3E}">
+        <p14:creationId xmlns:p14="http://schemas.microsoft.com/office/powerpoint/2010/main" val="3026647816"/>
+      </p:ext>
+    </p:extLst>
+  </p:cSld>
+  <p:clrMapOvr>
+    <a:masterClrMapping/>
+  </p:clrMapOvr>
+  <mc:AlternateContent xmlns:mc="http://schemas.openxmlformats.org/markup-compatibility/2006" xmlns:p14="http://schemas.microsoft.com/office/powerpoint/2010/main">
+    <mc:Choice Requires="p14">
+      <p:transition p14:dur="0"/>
+    </mc:Choice>
+    <mc:Fallback xmlns="">
+      <p:transition/>
+    </mc:Fallback>
+  </mc:AlternateContent>
+</p:sld>
+</file>
+
+<file path=ppt/slides/slide4.xml><?xml version="1.0" encoding="utf-8"?>
+<p:sld xmlns:a="http://schemas.openxmlformats.org/drawingml/2006/main" xmlns:r="http://schemas.openxmlformats.org/officeDocument/2006/relationships" xmlns:p="http://schemas.openxmlformats.org/presentationml/2006/main">
+  <p:cSld>
+    <p:spTree>
+      <p:nvGrpSpPr>
+        <p:cNvPr id="1" name=""/>
+        <p:cNvGrpSpPr/>
+        <p:nvPr/>
+      </p:nvGrpSpPr>
+      <p:grpSpPr>
+        <a:xfrm>
+          <a:off x="0" y="0"/>
+          <a:ext cx="0" cy="0"/>
+          <a:chOff x="0" y="0"/>
+          <a:chExt cx="0" cy="0"/>
+        </a:xfrm>
+      </p:grpSpPr>
+      <p:sp>
+        <p:nvSpPr>
+          <p:cNvPr id="5" name="Título 4"/>
+          <p:cNvSpPr>
+            <a:spLocks noGrp="1"/>
+          </p:cNvSpPr>
+          <p:nvPr>
+            <p:ph type="title"/>
+          </p:nvPr>
+        </p:nvSpPr>
+        <p:spPr>
+          <a:xfrm>
+            <a:off x="348344" y="548641"/>
+            <a:ext cx="10061748" cy="1097280"/>
+          </a:xfrm>
+        </p:spPr>
+        <p:txBody>
+          <a:bodyPr vert="horz" lIns="91440" tIns="45720" rIns="91440" bIns="45720" rtlCol="0" anchor="b">
+            <a:noAutofit/>
+          </a:bodyPr>
+          <a:lstStyle/>
+          <a:p>
+            <a:pPr algn="ctr"/>
+            <a:r>
+              <a:rPr lang="es-ES" sz="3600" b="1" dirty="0">
+                <a:solidFill>
+                  <a:srgbClr val="A42526"/>
+                </a:solidFill>
+                <a:latin typeface="Arial" panose="020B0604020202020204" pitchFamily="34" charset="0"/>
+                <a:cs typeface="Arial" panose="020B0604020202020204" pitchFamily="34" charset="0"/>
+              </a:rPr>
+              <a:t>Justificación</a:t>
+            </a:r>
+            <a:endParaRPr lang="es-CR" sz="3600" b="1" dirty="0">
+              <a:solidFill>
+                <a:srgbClr val="A42526"/>
+              </a:solidFill>
+              <a:latin typeface="Arial" panose="020B0604020202020204" pitchFamily="34" charset="0"/>
+              <a:cs typeface="Arial" panose="020B0604020202020204" pitchFamily="34" charset="0"/>
+            </a:endParaRPr>
+          </a:p>
+        </p:txBody>
+      </p:sp>
+      <p:sp>
+        <p:nvSpPr>
+          <p:cNvPr id="10" name="Rectángulo 9">
+            <a:extLst>
+              <a:ext uri="{FF2B5EF4-FFF2-40B4-BE49-F238E27FC236}">
+                <a16:creationId xmlns:a16="http://schemas.microsoft.com/office/drawing/2014/main" id="{34A72687-D7DF-816F-9756-BB399008FE17}"/>
+              </a:ext>
+            </a:extLst>
+          </p:cNvPr>
+          <p:cNvSpPr/>
+          <p:nvPr/>
+        </p:nvSpPr>
+        <p:spPr>
+          <a:xfrm>
+            <a:off x="0" y="9144"/>
+            <a:ext cx="12192000" cy="6858000"/>
+          </a:xfrm>
+          <a:prstGeom prst="rect">
+            <a:avLst/>
+          </a:prstGeom>
+          <a:noFill/>
+          <a:ln w="76200">
+            <a:solidFill>
+              <a:srgbClr val="C00000"/>
+            </a:solidFill>
+          </a:ln>
+          <a:scene3d>
+            <a:camera prst="orthographicFront"/>
+            <a:lightRig rig="threePt" dir="t"/>
+          </a:scene3d>
+          <a:sp3d>
+            <a:bevelT prst="angle"/>
+          </a:sp3d>
+        </p:spPr>
+        <p:style>
+          <a:lnRef idx="2">
+            <a:schemeClr val="accent1">
+              <a:shade val="50000"/>
+            </a:schemeClr>
+          </a:lnRef>
+          <a:fillRef idx="1">
+            <a:schemeClr val="accent1"/>
+          </a:fillRef>
+          <a:effectRef idx="0">
+            <a:schemeClr val="accent1"/>
+          </a:effectRef>
+          <a:fontRef idx="minor">
+            <a:schemeClr val="lt1"/>
+          </a:fontRef>
+        </p:style>
+        <p:txBody>
+          <a:bodyPr rtlCol="0" anchor="ctr"/>
+          <a:lstStyle/>
+          <a:p>
+            <a:pPr algn="ctr"/>
+            <a:endParaRPr lang="es-CR" dirty="0"/>
+          </a:p>
+        </p:txBody>
+      </p:sp>
+      <p:sp>
+        <p:nvSpPr>
+          <p:cNvPr id="11" name="Marcador de contenido 2">
+            <a:extLst>
+              <a:ext uri="{FF2B5EF4-FFF2-40B4-BE49-F238E27FC236}">
+                <a16:creationId xmlns:a16="http://schemas.microsoft.com/office/drawing/2014/main" id="{5EE98C81-E83F-BA8F-CB53-BFC6C5C58459}"/>
+              </a:ext>
+            </a:extLst>
+          </p:cNvPr>
+          <p:cNvSpPr>
+            <a:spLocks noGrp="1"/>
+          </p:cNvSpPr>
+          <p:nvPr>
+            <p:ph idx="1"/>
+          </p:nvPr>
+        </p:nvSpPr>
+        <p:spPr>
+          <a:xfrm>
+            <a:off x="6205426" y="3034899"/>
+            <a:ext cx="5157216" cy="2393551"/>
+          </a:xfrm>
+        </p:spPr>
+        <p:txBody>
+          <a:bodyPr>
+            <a:normAutofit/>
+          </a:bodyPr>
+          <a:lstStyle/>
+          <a:p>
+            <a:pPr marL="0" indent="0">
+              <a:buNone/>
+            </a:pPr>
+            <a:r>
+              <a:rPr lang="es-ES" sz="2400" dirty="0">
+                <a:latin typeface="Arial" panose="020B0604020202020204" pitchFamily="34" charset="0"/>
+                <a:cs typeface="Arial" panose="020B0604020202020204" pitchFamily="34" charset="0"/>
+              </a:rPr>
+              <a:t> </a:t>
+            </a:r>
+          </a:p>
+          <a:p>
+            <a:pPr lvl="1"/>
+            <a:r>
+              <a:rPr lang="en-US" sz="2800" b="1" dirty="0"/>
+              <a:t>Importancia del tema</a:t>
+            </a:r>
+            <a:endParaRPr lang="es-CR" sz="2800" b="1" dirty="0">
+              <a:latin typeface="Arial" panose="020B0604020202020204" pitchFamily="34" charset="0"/>
+              <a:cs typeface="Arial" panose="020B0604020202020204" pitchFamily="34" charset="0"/>
+            </a:endParaRPr>
+          </a:p>
+          <a:p>
+            <a:pPr lvl="1"/>
+            <a:r>
+              <a:rPr lang="en-US" sz="2800" b="1" dirty="0"/>
+              <a:t>Beneficiarios</a:t>
+            </a:r>
+          </a:p>
+          <a:p>
+            <a:pPr lvl="1"/>
+            <a:r>
+              <a:rPr lang="en-US" sz="2800" b="1" dirty="0"/>
+              <a:t>Aplicabilidad </a:t>
+            </a:r>
+          </a:p>
+          <a:p>
+            <a:pPr lvl="1"/>
+            <a:r>
+              <a:rPr lang="en-US" sz="2800" b="1" dirty="0"/>
+              <a:t>Contribución al conocimiento</a:t>
+            </a:r>
+            <a:endParaRPr lang="es-CR" sz="2800" b="1" dirty="0">
+              <a:latin typeface="Arial" panose="020B0604020202020204" pitchFamily="34" charset="0"/>
+              <a:cs typeface="Arial" panose="020B0604020202020204" pitchFamily="34" charset="0"/>
+            </a:endParaRPr>
+          </a:p>
+        </p:txBody>
+      </p:sp>
+      <p:graphicFrame>
+        <p:nvGraphicFramePr>
+          <p:cNvPr id="13" name="Diagrama 12">
+            <a:extLst>
+              <a:ext uri="{FF2B5EF4-FFF2-40B4-BE49-F238E27FC236}">
+                <a16:creationId xmlns:a16="http://schemas.microsoft.com/office/drawing/2014/main" id="{505AA23C-0746-1630-EBD1-4BE52A3ADD9F}"/>
+              </a:ext>
+            </a:extLst>
+          </p:cNvPr>
+          <p:cNvGraphicFramePr/>
+          <p:nvPr>
+            <p:extLst>
+              <p:ext uri="{D42A27DB-BD31-4B8C-83A1-F6EECF244321}">
+                <p14:modId xmlns:p14="http://schemas.microsoft.com/office/powerpoint/2010/main" val="1472972290"/>
+              </p:ext>
+            </p:extLst>
+          </p:nvPr>
+        </p:nvGraphicFramePr>
+        <p:xfrm>
+          <a:off x="2992582" y="4655128"/>
+          <a:ext cx="4487945" cy="1989340"/>
+        </p:xfrm>
+        <a:graphic>
+          <a:graphicData uri="http://schemas.openxmlformats.org/drawingml/2006/diagram">
+            <dgm:relIds xmlns:dgm="http://schemas.openxmlformats.org/drawingml/2006/diagram" xmlns:r="http://schemas.openxmlformats.org/officeDocument/2006/relationships" r:dm="rId2" r:lo="rId3" r:qs="rId4" r:cs="rId5"/>
+          </a:graphicData>
+        </a:graphic>
+      </p:graphicFrame>
+      <p:pic>
+        <p:nvPicPr>
+          <p:cNvPr id="2" name="Picture 1">
+            <a:extLst>
+              <a:ext uri="{FF2B5EF4-FFF2-40B4-BE49-F238E27FC236}">
+                <a16:creationId xmlns:a16="http://schemas.microsoft.com/office/drawing/2014/main" id="{9C789023-B01A-4DEF-94BB-4413E6E11BD5}"/>
+              </a:ext>
+            </a:extLst>
+          </p:cNvPr>
+          <p:cNvPicPr>
+            <a:picLocks noChangeAspect="1"/>
+          </p:cNvPicPr>
+          <p:nvPr/>
+        </p:nvPicPr>
+        <p:blipFill>
+          <a:blip r:embed="rId7"/>
+          <a:stretch>
+            <a:fillRect/>
+          </a:stretch>
+        </p:blipFill>
+        <p:spPr>
+          <a:xfrm>
+            <a:off x="829358" y="2681369"/>
+            <a:ext cx="4849042" cy="3100613"/>
+          </a:xfrm>
+          <a:prstGeom prst="rect">
+            <a:avLst/>
+          </a:prstGeom>
+        </p:spPr>
+      </p:pic>
+    </p:spTree>
+    <p:extLst>
+      <p:ext uri="{BB962C8B-B14F-4D97-AF65-F5344CB8AC3E}">
+        <p14:creationId xmlns:p14="http://schemas.microsoft.com/office/powerpoint/2010/main" val="1029457609"/>
+      </p:ext>
+    </p:extLst>
+  </p:cSld>
+  <p:clrMapOvr>
+    <a:masterClrMapping/>
+  </p:clrMapOvr>
+  <mc:AlternateContent xmlns:mc="http://schemas.openxmlformats.org/markup-compatibility/2006" xmlns:p14="http://schemas.microsoft.com/office/powerpoint/2010/main">
+    <mc:Choice Requires="p14">
+      <p:transition p14:dur="0"/>
+    </mc:Choice>
+    <mc:Fallback xmlns="">
+      <p:transition/>
+    </mc:Fallback>
+  </mc:AlternateContent>
+</p:sld>
+</file>
+
+<file path=ppt/slides/slide5.xml><?xml version="1.0" encoding="utf-8"?>
+<p:sld xmlns:a="http://schemas.openxmlformats.org/drawingml/2006/main" xmlns:r="http://schemas.openxmlformats.org/officeDocument/2006/relationships" xmlns:p="http://schemas.openxmlformats.org/presentationml/2006/main">
+  <p:cSld>
+    <p:spTree>
+      <p:nvGrpSpPr>
+        <p:cNvPr id="1" name=""/>
+        <p:cNvGrpSpPr/>
+        <p:nvPr/>
+      </p:nvGrpSpPr>
+      <p:grpSpPr>
+        <a:xfrm>
+          <a:off x="0" y="0"/>
+          <a:ext cx="0" cy="0"/>
+          <a:chOff x="0" y="0"/>
+          <a:chExt cx="0" cy="0"/>
+        </a:xfrm>
+      </p:grpSpPr>
+      <p:sp>
+        <p:nvSpPr>
+          <p:cNvPr id="5" name="Título 4"/>
+          <p:cNvSpPr>
+            <a:spLocks noGrp="1"/>
+          </p:cNvSpPr>
+          <p:nvPr>
+            <p:ph type="title"/>
+          </p:nvPr>
+        </p:nvSpPr>
+        <p:spPr>
+          <a:xfrm>
+            <a:off x="348344" y="548641"/>
+            <a:ext cx="10061748" cy="1097280"/>
+          </a:xfrm>
+        </p:spPr>
+        <p:txBody>
+          <a:bodyPr vert="horz" lIns="91440" tIns="45720" rIns="91440" bIns="45720" rtlCol="0" anchor="b">
+            <a:noAutofit/>
+          </a:bodyPr>
+          <a:lstStyle/>
+          <a:p>
+            <a:pPr algn="ctr"/>
+            <a:r>
+              <a:rPr lang="es-ES" sz="3600" b="1" dirty="0">
+                <a:solidFill>
+                  <a:srgbClr val="A42526"/>
+                </a:solidFill>
+                <a:latin typeface="Arial" panose="020B0604020202020204" pitchFamily="34" charset="0"/>
+                <a:cs typeface="Arial" panose="020B0604020202020204" pitchFamily="34" charset="0"/>
+              </a:rPr>
+              <a:t>Importancia</a:t>
+            </a:r>
+            <a:endParaRPr lang="es-CR" sz="3600" b="1" dirty="0">
+              <a:solidFill>
+                <a:srgbClr val="A42526"/>
+              </a:solidFill>
+              <a:latin typeface="Arial" panose="020B0604020202020204" pitchFamily="34" charset="0"/>
+              <a:cs typeface="Arial" panose="020B0604020202020204" pitchFamily="34" charset="0"/>
+            </a:endParaRPr>
+          </a:p>
+        </p:txBody>
+      </p:sp>
+      <p:sp>
+        <p:nvSpPr>
+          <p:cNvPr id="10" name="Rectángulo 9">
+            <a:extLst>
+              <a:ext uri="{FF2B5EF4-FFF2-40B4-BE49-F238E27FC236}">
+                <a16:creationId xmlns:a16="http://schemas.microsoft.com/office/drawing/2014/main" id="{34A72687-D7DF-816F-9756-BB399008FE17}"/>
+              </a:ext>
+            </a:extLst>
+          </p:cNvPr>
+          <p:cNvSpPr/>
+          <p:nvPr/>
+        </p:nvSpPr>
+        <p:spPr>
+          <a:xfrm>
+            <a:off x="0" y="0"/>
+            <a:ext cx="12192000" cy="6858000"/>
+          </a:xfrm>
+          <a:prstGeom prst="rect">
+            <a:avLst/>
+          </a:prstGeom>
+          <a:noFill/>
+          <a:ln w="76200">
+            <a:solidFill>
+              <a:srgbClr val="C00000"/>
+            </a:solidFill>
+          </a:ln>
+          <a:scene3d>
+            <a:camera prst="orthographicFront"/>
+            <a:lightRig rig="threePt" dir="t"/>
+          </a:scene3d>
+          <a:sp3d>
+            <a:bevelT prst="angle"/>
+          </a:sp3d>
+        </p:spPr>
+        <p:style>
+          <a:lnRef idx="2">
+            <a:schemeClr val="accent1">
+              <a:shade val="50000"/>
+            </a:schemeClr>
+          </a:lnRef>
+          <a:fillRef idx="1">
+            <a:schemeClr val="accent1"/>
+          </a:fillRef>
+          <a:effectRef idx="0">
+            <a:schemeClr val="accent1"/>
+          </a:effectRef>
+          <a:fontRef idx="minor">
+            <a:schemeClr val="lt1"/>
+          </a:fontRef>
+        </p:style>
+        <p:txBody>
+          <a:bodyPr rtlCol="0" anchor="ctr"/>
+          <a:lstStyle/>
+          <a:p>
+            <a:pPr algn="ctr"/>
+            <a:endParaRPr lang="es-CR" dirty="0"/>
+          </a:p>
+        </p:txBody>
+      </p:sp>
+      <p:sp>
+        <p:nvSpPr>
+          <p:cNvPr id="3" name="Marcador de contenido 2">
+            <a:extLst>
+              <a:ext uri="{FF2B5EF4-FFF2-40B4-BE49-F238E27FC236}">
+                <a16:creationId xmlns:a16="http://schemas.microsoft.com/office/drawing/2014/main" id="{023AAC1A-F466-C04C-CA40-0A18A28D2224}"/>
+              </a:ext>
+            </a:extLst>
+          </p:cNvPr>
+          <p:cNvSpPr>
+            <a:spLocks noGrp="1"/>
+          </p:cNvSpPr>
+          <p:nvPr>
+            <p:ph idx="1"/>
+          </p:nvPr>
+        </p:nvSpPr>
+        <p:spPr>
+          <a:xfrm>
+            <a:off x="6355081" y="2670048"/>
+            <a:ext cx="4140200" cy="3599313"/>
+          </a:xfrm>
+        </p:spPr>
+        <p:txBody>
+          <a:bodyPr>
+            <a:normAutofit/>
+          </a:bodyPr>
+          <a:lstStyle/>
+          <a:p>
+            <a:r>
+              <a:rPr lang="es-ES" b="1" dirty="0"/>
+              <a:t>El proyecto es de gran relevancia debido a la creciente necesidad de los consumidores de encontrar maneras de ahorrar dinero en sus compras diarias. </a:t>
+            </a:r>
+          </a:p>
+          <a:p>
+            <a:r>
+              <a:rPr lang="en-US" b="1" dirty="0"/>
+              <a:t>Ahorro económico para los consumidores</a:t>
+            </a:r>
+          </a:p>
+          <a:p>
+            <a:r>
+              <a:rPr lang="en-US" b="1" dirty="0"/>
+              <a:t>Mayor transparencia en los precios</a:t>
+            </a:r>
+          </a:p>
+          <a:p>
+            <a:r>
+              <a:rPr lang="en-US" b="1" dirty="0"/>
+              <a:t>Comodidad y ahorro de tiempo </a:t>
+            </a:r>
+          </a:p>
+          <a:p>
+            <a:r>
+              <a:rPr lang="en-US" b="1" dirty="0"/>
+              <a:t>Impulso a la competencia entre supermercados </a:t>
+            </a:r>
+            <a:endParaRPr lang="es-ES" b="1" dirty="0"/>
+          </a:p>
+        </p:txBody>
+      </p:sp>
+      <p:pic>
+        <p:nvPicPr>
+          <p:cNvPr id="2" name="Picture 1">
+            <a:extLst>
+              <a:ext uri="{FF2B5EF4-FFF2-40B4-BE49-F238E27FC236}">
+                <a16:creationId xmlns:a16="http://schemas.microsoft.com/office/drawing/2014/main" id="{13B53AB6-EF48-45A7-8FEF-4017ED483FAF}"/>
+              </a:ext>
+            </a:extLst>
+          </p:cNvPr>
+          <p:cNvPicPr>
+            <a:picLocks noChangeAspect="1"/>
+          </p:cNvPicPr>
+          <p:nvPr/>
+        </p:nvPicPr>
+        <p:blipFill>
+          <a:blip r:embed="rId2"/>
+          <a:stretch>
+            <a:fillRect/>
+          </a:stretch>
+        </p:blipFill>
+        <p:spPr>
+          <a:xfrm>
+            <a:off x="785900" y="2670048"/>
+            <a:ext cx="5051021" cy="3381050"/>
+          </a:xfrm>
+          <a:prstGeom prst="rect">
+            <a:avLst/>
+          </a:prstGeom>
+        </p:spPr>
+      </p:pic>
+    </p:spTree>
+    <p:extLst>
+      <p:ext uri="{BB962C8B-B14F-4D97-AF65-F5344CB8AC3E}">
+        <p14:creationId xmlns:p14="http://schemas.microsoft.com/office/powerpoint/2010/main" val="3073575710"/>
+      </p:ext>
+    </p:extLst>
+  </p:cSld>
+  <p:clrMapOvr>
+    <a:masterClrMapping/>
+  </p:clrMapOvr>
+  <mc:AlternateContent xmlns:mc="http://schemas.openxmlformats.org/markup-compatibility/2006" xmlns:p14="http://schemas.microsoft.com/office/powerpoint/2010/main">
+    <mc:Choice Requires="p14">
+      <p:transition p14:dur="0"/>
+    </mc:Choice>
+    <mc:Fallback xmlns="">
+      <p:transition/>
+    </mc:Fallback>
+  </mc:AlternateContent>
+</p:sld>
+</file>
+
+<file path=ppt/slides/slide6.xml><?xml version="1.0" encoding="utf-8"?>
+<p:sld xmlns:a="http://schemas.openxmlformats.org/drawingml/2006/main" xmlns:r="http://schemas.openxmlformats.org/officeDocument/2006/relationships" xmlns:p="http://schemas.openxmlformats.org/presentationml/2006/main">
+  <p:cSld>
+    <p:spTree>
+      <p:nvGrpSpPr>
+        <p:cNvPr id="1" name=""/>
+        <p:cNvGrpSpPr/>
+        <p:nvPr/>
+      </p:nvGrpSpPr>
+      <p:grpSpPr>
+        <a:xfrm>
+          <a:off x="0" y="0"/>
+          <a:ext cx="0" cy="0"/>
+          <a:chOff x="0" y="0"/>
+          <a:chExt cx="0" cy="0"/>
+        </a:xfrm>
+      </p:grpSpPr>
+      <p:sp>
+        <p:nvSpPr>
+          <p:cNvPr id="2" name="Título 1">
+            <a:extLst>
+              <a:ext uri="{FF2B5EF4-FFF2-40B4-BE49-F238E27FC236}">
+                <a16:creationId xmlns:a16="http://schemas.microsoft.com/office/drawing/2014/main" id="{55968C64-6743-71A0-FBB2-C905F2F87AB0}"/>
+              </a:ext>
+            </a:extLst>
+          </p:cNvPr>
+          <p:cNvSpPr>
+            <a:spLocks noGrp="1"/>
+          </p:cNvSpPr>
+          <p:nvPr>
+            <p:ph type="ctrTitle"/>
+          </p:nvPr>
+        </p:nvSpPr>
+        <p:spPr/>
+        <p:txBody>
+          <a:bodyPr/>
+          <a:lstStyle/>
+          <a:p>
+            <a:pPr algn="ctr"/>
+            <a:r>
+              <a:rPr lang="es-ES" sz="3600" b="1" dirty="0">
+                <a:solidFill>
+                  <a:srgbClr val="A42526"/>
+                </a:solidFill>
+                <a:latin typeface="Arial" panose="020B0604020202020204" pitchFamily="34" charset="0"/>
+                <a:cs typeface="Arial" panose="020B0604020202020204" pitchFamily="34" charset="0"/>
+              </a:rPr>
+              <a:t>Planteamiento del Problema</a:t>
+            </a:r>
+            <a:endParaRPr lang="es-DO" sz="3600" dirty="0"/>
+          </a:p>
+        </p:txBody>
+      </p:sp>
+    </p:spTree>
+    <p:extLst>
+      <p:ext uri="{BB962C8B-B14F-4D97-AF65-F5344CB8AC3E}">
+        <p14:creationId xmlns:p14="http://schemas.microsoft.com/office/powerpoint/2010/main" val="3858755748"/>
+      </p:ext>
+    </p:extLst>
+  </p:cSld>
+  <p:clrMapOvr>
+    <a:masterClrMapping/>
+  </p:clrMapOvr>
+  <mc:AlternateContent xmlns:mc="http://schemas.openxmlformats.org/markup-compatibility/2006" xmlns:p14="http://schemas.microsoft.com/office/powerpoint/2010/main">
+    <mc:Choice Requires="p14">
+      <p:transition spd="med" p14:dur="700">
+        <p:fade/>
+      </p:transition>
+    </mc:Choice>
+    <mc:Fallback xmlns="">
+      <p:transition spd="med">
+        <p:fade/>
+      </p:transition>
+    </mc:Fallback>
+  </mc:AlternateContent>
+</p:sld>
+</file>
+
+<file path=ppt/slides/slide7.xml><?xml version="1.0" encoding="utf-8"?>
+<p:sld xmlns:a="http://schemas.openxmlformats.org/drawingml/2006/main" xmlns:r="http://schemas.openxmlformats.org/officeDocument/2006/relationships" xmlns:p="http://schemas.openxmlformats.org/presentationml/2006/main">
+  <p:cSld>
+    <p:spTree>
+      <p:nvGrpSpPr>
+        <p:cNvPr id="1" name=""/>
+        <p:cNvGrpSpPr/>
+        <p:nvPr/>
+      </p:nvGrpSpPr>
+      <p:grpSpPr>
+        <a:xfrm>
+          <a:off x="0" y="0"/>
+          <a:ext cx="0" cy="0"/>
+          <a:chOff x="0" y="0"/>
+          <a:chExt cx="0" cy="0"/>
+        </a:xfrm>
+      </p:grpSpPr>
+      <p:pic>
+        <p:nvPicPr>
+          <p:cNvPr id="2" name="Picture 1">
+            <a:extLst>
+              <a:ext uri="{FF2B5EF4-FFF2-40B4-BE49-F238E27FC236}">
+                <a16:creationId xmlns:a16="http://schemas.microsoft.com/office/drawing/2014/main" id="{585DA19D-92C2-4DE4-9590-B7121B224B36}"/>
+              </a:ext>
+            </a:extLst>
+          </p:cNvPr>
+          <p:cNvPicPr>
+            <a:picLocks noChangeAspect="1"/>
+          </p:cNvPicPr>
+          <p:nvPr/>
+        </p:nvPicPr>
+        <p:blipFill>
+          <a:blip r:embed="rId2"/>
+          <a:stretch>
+            <a:fillRect/>
+          </a:stretch>
+        </p:blipFill>
+        <p:spPr>
+          <a:xfrm>
+            <a:off x="661917" y="2446062"/>
+            <a:ext cx="5123591" cy="3052917"/>
+          </a:xfrm>
+          <a:prstGeom prst="rect">
+            <a:avLst/>
+          </a:prstGeom>
+        </p:spPr>
+      </p:pic>
+      <p:sp>
+        <p:nvSpPr>
+          <p:cNvPr id="3" name="Rectangle 2">
+            <a:extLst>
+              <a:ext uri="{FF2B5EF4-FFF2-40B4-BE49-F238E27FC236}">
+                <a16:creationId xmlns:a16="http://schemas.microsoft.com/office/drawing/2014/main" id="{80668E0C-0133-42C0-8B26-164EDC61C610}"/>
+              </a:ext>
+            </a:extLst>
+          </p:cNvPr>
+          <p:cNvSpPr/>
+          <p:nvPr/>
+        </p:nvSpPr>
+        <p:spPr>
+          <a:xfrm>
+            <a:off x="6233258" y="2944434"/>
+            <a:ext cx="5480206" cy="2554545"/>
+          </a:xfrm>
+          <a:prstGeom prst="rect">
+            <a:avLst/>
+          </a:prstGeom>
+        </p:spPr>
+        <p:txBody>
+          <a:bodyPr wrap="square">
+            <a:spAutoFit/>
+          </a:bodyPr>
+          <a:lstStyle/>
+          <a:p>
+            <a:pPr marL="457200" indent="-457200">
+              <a:buFont typeface="Arial" panose="020B0604020202020204" pitchFamily="34" charset="0"/>
+              <a:buChar char="•"/>
+            </a:pPr>
+            <a:r>
+              <a:rPr lang="en-US" sz="3200" b="1" dirty="0"/>
+              <a:t>Descripción del contexto</a:t>
+            </a:r>
+          </a:p>
+          <a:p>
+            <a:pPr marL="457200" indent="-457200">
+              <a:buFont typeface="Arial" panose="020B0604020202020204" pitchFamily="34" charset="0"/>
+              <a:buChar char="•"/>
+            </a:pPr>
+            <a:r>
+              <a:rPr lang="en-US" sz="3200" b="1" dirty="0"/>
+              <a:t>Identificación del problema</a:t>
+            </a:r>
+          </a:p>
+          <a:p>
+            <a:pPr marL="457200" indent="-457200">
+              <a:buFont typeface="Arial" panose="020B0604020202020204" pitchFamily="34" charset="0"/>
+              <a:buChar char="•"/>
+            </a:pPr>
+            <a:r>
+              <a:rPr lang="en-US" sz="3200" b="1" dirty="0"/>
+              <a:t>Justificación</a:t>
+            </a:r>
+          </a:p>
+          <a:p>
+            <a:pPr marL="457200" indent="-457200">
+              <a:buFont typeface="Arial" panose="020B0604020202020204" pitchFamily="34" charset="0"/>
+              <a:buChar char="•"/>
+            </a:pPr>
+            <a:r>
+              <a:rPr lang="en-US" sz="2800" b="1" dirty="0"/>
+              <a:t>Objetivos</a:t>
+            </a:r>
+            <a:r>
+              <a:rPr lang="en-US" sz="3200" b="1" dirty="0"/>
+              <a:t> del planteamiento</a:t>
+            </a:r>
+          </a:p>
+          <a:p>
+            <a:endParaRPr lang="en-US" sz="3200" b="1" dirty="0">
+              <a:solidFill>
+                <a:srgbClr val="A42526"/>
+              </a:solidFill>
+            </a:endParaRPr>
+          </a:p>
+        </p:txBody>
+      </p:sp>
+      <p:sp>
+        <p:nvSpPr>
+          <p:cNvPr id="7" name="Rectangle 6">
+            <a:extLst>
+              <a:ext uri="{FF2B5EF4-FFF2-40B4-BE49-F238E27FC236}">
+                <a16:creationId xmlns:a16="http://schemas.microsoft.com/office/drawing/2014/main" id="{11C99E2A-E350-4F8D-B24B-0ECDC20FDD3F}"/>
+              </a:ext>
+            </a:extLst>
+          </p:cNvPr>
+          <p:cNvSpPr/>
+          <p:nvPr/>
+        </p:nvSpPr>
+        <p:spPr>
+          <a:xfrm>
+            <a:off x="2569233" y="894326"/>
+            <a:ext cx="7053534" cy="707886"/>
+          </a:xfrm>
+          <a:prstGeom prst="rect">
+            <a:avLst/>
+          </a:prstGeom>
+        </p:spPr>
+        <p:txBody>
+          <a:bodyPr wrap="none">
+            <a:spAutoFit/>
+          </a:bodyPr>
+          <a:lstStyle/>
+          <a:p>
+            <a:r>
+              <a:rPr lang="es-ES" sz="4000" b="1" dirty="0">
+                <a:solidFill>
+                  <a:srgbClr val="A42526"/>
+                </a:solidFill>
+                <a:latin typeface="Arial" panose="020B0604020202020204" pitchFamily="34" charset="0"/>
+                <a:cs typeface="Arial" panose="020B0604020202020204" pitchFamily="34" charset="0"/>
+              </a:rPr>
+              <a:t>Planteamiento del Problema</a:t>
+            </a:r>
+            <a:endParaRPr lang="en-US" sz="4000" dirty="0"/>
+          </a:p>
+        </p:txBody>
+      </p:sp>
+    </p:spTree>
+    <p:extLst>
+      <p:ext uri="{BB962C8B-B14F-4D97-AF65-F5344CB8AC3E}">
+        <p14:creationId xmlns:p14="http://schemas.microsoft.com/office/powerpoint/2010/main" val="2583324952"/>
+      </p:ext>
+    </p:extLst>
+  </p:cSld>
+  <p:clrMapOvr>
+    <a:masterClrMapping/>
+  </p:clrMapOvr>
+  <mc:AlternateContent xmlns:mc="http://schemas.openxmlformats.org/markup-compatibility/2006" xmlns:p14="http://schemas.microsoft.com/office/powerpoint/2010/main">
+    <mc:Choice Requires="p14">
+      <p:transition spd="med" p14:dur="700">
+        <p:fade/>
+      </p:transition>
+    </mc:Choice>
+    <mc:Fallback xmlns="">
+      <p:transition spd="med">
+        <p:fade/>
+      </p:transition>
+    </mc:Fallback>
+  </mc:AlternateContent>
+</p:sld>
+</file>
+
+<file path=ppt/slides/slide8.xml><?xml version="1.0" encoding="utf-8"?>
+<p:sld xmlns:a="http://schemas.openxmlformats.org/drawingml/2006/main" xmlns:r="http://schemas.openxmlformats.org/officeDocument/2006/relationships" xmlns:p="http://schemas.openxmlformats.org/presentationml/2006/main">
+  <p:cSld>
+    <p:spTree>
+      <p:nvGrpSpPr>
+        <p:cNvPr id="1" name=""/>
+        <p:cNvGrpSpPr/>
+        <p:nvPr/>
+      </p:nvGrpSpPr>
+      <p:grpSpPr>
+        <a:xfrm>
+          <a:off x="0" y="0"/>
+          <a:ext cx="0" cy="0"/>
+          <a:chOff x="0" y="0"/>
+          <a:chExt cx="0" cy="0"/>
+        </a:xfrm>
+      </p:grpSpPr>
+      <p:sp>
+        <p:nvSpPr>
+          <p:cNvPr id="2" name="Title 1">
+            <a:extLst>
+              <a:ext uri="{FF2B5EF4-FFF2-40B4-BE49-F238E27FC236}">
+                <a16:creationId xmlns:a16="http://schemas.microsoft.com/office/drawing/2014/main" id="{90EFAAE3-5CD3-49DD-A79E-87278C3CF70D}"/>
+              </a:ext>
+            </a:extLst>
+          </p:cNvPr>
+          <p:cNvSpPr>
+            <a:spLocks noGrp="1"/>
+          </p:cNvSpPr>
+          <p:nvPr>
+            <p:ph type="title"/>
+          </p:nvPr>
+        </p:nvSpPr>
+        <p:spPr>
+          <a:xfrm>
+            <a:off x="3345488" y="753228"/>
+            <a:ext cx="5501022" cy="1080938"/>
+          </a:xfrm>
+        </p:spPr>
+        <p:txBody>
+          <a:bodyPr/>
+          <a:lstStyle/>
+          <a:p>
+            <a:r>
+              <a:rPr lang="en-US" dirty="0">
+                <a:solidFill>
+                  <a:srgbClr val="A42526"/>
+                </a:solidFill>
+              </a:rPr>
+              <a:t>SISTEMATIZACIÓN DEL PROBLEMA</a:t>
+            </a:r>
+          </a:p>
+        </p:txBody>
+      </p:sp>
+      <p:sp>
+        <p:nvSpPr>
+          <p:cNvPr id="3" name="Content Placeholder 2">
+            <a:extLst>
+              <a:ext uri="{FF2B5EF4-FFF2-40B4-BE49-F238E27FC236}">
+                <a16:creationId xmlns:a16="http://schemas.microsoft.com/office/drawing/2014/main" id="{1CBAD723-9E25-400B-98E2-6054EFB27B74}"/>
+              </a:ext>
+            </a:extLst>
+          </p:cNvPr>
+          <p:cNvSpPr>
+            <a:spLocks noGrp="1"/>
+          </p:cNvSpPr>
+          <p:nvPr>
+            <p:ph idx="1"/>
+          </p:nvPr>
+        </p:nvSpPr>
+        <p:spPr>
+          <a:xfrm>
+            <a:off x="1042416" y="2670048"/>
+            <a:ext cx="9217152" cy="3599316"/>
+          </a:xfrm>
+        </p:spPr>
+        <p:txBody>
+          <a:bodyPr>
+            <a:noAutofit/>
+          </a:bodyPr>
+          <a:lstStyle/>
+          <a:p>
+            <a:r>
+              <a:rPr lang="en-US" sz="2400" b="1" dirty="0"/>
+              <a:t>¿Qué funcionalidades debe tener la aplicación para permitir una comparación eficiente de precios? </a:t>
+            </a:r>
+          </a:p>
+          <a:p>
+            <a:pPr marL="0" indent="0">
+              <a:buNone/>
+            </a:pPr>
+            <a:r>
+              <a:rPr lang="en-US" sz="2400" b="1" dirty="0"/>
+              <a:t>• ¿Cómo se pueden recopilar y actualizar los precios de los productos de manera confiable? </a:t>
+            </a:r>
+          </a:p>
+          <a:p>
+            <a:pPr marL="0" indent="0">
+              <a:buNone/>
+            </a:pPr>
+            <a:r>
+              <a:rPr lang="en-US" sz="2400" b="1" dirty="0"/>
+              <a:t>• ¿De qué manera se puede calcular el costo adicional por desplazamiento entre supermercados? </a:t>
+            </a:r>
+          </a:p>
+          <a:p>
+            <a:pPr marL="0" indent="0">
+              <a:buNone/>
+            </a:pPr>
+            <a:r>
+              <a:rPr lang="en-US" sz="2400" b="1" dirty="0"/>
+              <a:t>• ¿Qué impacto tendría esta aplicación en los hábitos de consumo de los usuarios? </a:t>
+            </a:r>
+          </a:p>
+        </p:txBody>
+      </p:sp>
+    </p:spTree>
+    <p:extLst>
+      <p:ext uri="{BB962C8B-B14F-4D97-AF65-F5344CB8AC3E}">
+        <p14:creationId xmlns:p14="http://schemas.microsoft.com/office/powerpoint/2010/main" val="2113174461"/>
+      </p:ext>
+    </p:extLst>
+  </p:cSld>
+  <p:clrMapOvr>
+    <a:masterClrMapping/>
+  </p:clrMapOvr>
+  <mc:AlternateContent xmlns:mc="http://schemas.openxmlformats.org/markup-compatibility/2006" xmlns:p14="http://schemas.microsoft.com/office/powerpoint/2010/main">
+    <mc:Choice Requires="p14">
+      <p:transition spd="med" p14:dur="700">
+        <p:fade/>
+      </p:transition>
+    </mc:Choice>
+    <mc:Fallback xmlns="">
+      <p:transition spd="med">
+        <p:fade/>
+      </p:transition>
+    </mc:Fallback>
+  </mc:AlternateContent>
+</p:sld>
+</file>
+
+<file path=ppt/slides/slide9.xml><?xml version="1.0" encoding="utf-8"?>
+<p:sld xmlns:a="http://schemas.openxmlformats.org/drawingml/2006/main" xmlns:r="http://schemas.openxmlformats.org/officeDocument/2006/relationships" xmlns:p="http://schemas.openxmlformats.org/presentationml/2006/main">
+  <p:cSld>
+    <p:spTree>
+      <p:nvGrpSpPr>
+        <p:cNvPr id="1" name=""/>
+        <p:cNvGrpSpPr/>
+        <p:nvPr/>
+      </p:nvGrpSpPr>
+      <p:grpSpPr>
+        <a:xfrm>
+          <a:off x="0" y="0"/>
+          <a:ext cx="0" cy="0"/>
+          <a:chOff x="0" y="0"/>
+          <a:chExt cx="0" cy="0"/>
+        </a:xfrm>
+      </p:grpSpPr>
+      <p:sp>
+        <p:nvSpPr>
+          <p:cNvPr id="2" name="Título 1">
+            <a:extLst>
+              <a:ext uri="{FF2B5EF4-FFF2-40B4-BE49-F238E27FC236}">
+                <a16:creationId xmlns:a16="http://schemas.microsoft.com/office/drawing/2014/main" id="{A4127A99-9C3A-5514-367E-9FCAD5DA9EEC}"/>
+              </a:ext>
+            </a:extLst>
+          </p:cNvPr>
+          <p:cNvSpPr>
+            <a:spLocks noGrp="1"/>
+          </p:cNvSpPr>
+          <p:nvPr>
+            <p:ph type="ctrTitle"/>
+          </p:nvPr>
+        </p:nvSpPr>
+        <p:spPr>
+          <a:xfrm>
+            <a:off x="387714" y="2349273"/>
+            <a:ext cx="8144135" cy="1373070"/>
+          </a:xfrm>
+        </p:spPr>
+        <p:txBody>
+          <a:bodyPr/>
+          <a:lstStyle/>
+          <a:p>
+            <a:pPr algn="ctr"/>
+            <a:r>
+              <a:rPr lang="es-ES" sz="3600" b="1" dirty="0">
+                <a:solidFill>
+                  <a:srgbClr val="A42526"/>
+                </a:solidFill>
+                <a:latin typeface="Arial" panose="020B0604020202020204" pitchFamily="34" charset="0"/>
+                <a:cs typeface="Arial" panose="020B0604020202020204" pitchFamily="34" charset="0"/>
+              </a:rPr>
+              <a:t>Sistematización</a:t>
+            </a:r>
+            <a:r>
+              <a:rPr lang="es-ES" sz="4000" b="1" dirty="0">
+                <a:solidFill>
+                  <a:srgbClr val="A42526"/>
+                </a:solidFill>
+                <a:latin typeface="Arial" panose="020B0604020202020204" pitchFamily="34" charset="0"/>
+                <a:cs typeface="Arial" panose="020B0604020202020204" pitchFamily="34" charset="0"/>
+              </a:rPr>
+              <a:t> del Problema</a:t>
+            </a:r>
+            <a:endParaRPr lang="es-DO" dirty="0"/>
+          </a:p>
+        </p:txBody>
+      </p:sp>
+      <p:sp>
+        <p:nvSpPr>
+          <p:cNvPr id="3" name="Subtítulo 2">
+            <a:extLst>
+              <a:ext uri="{FF2B5EF4-FFF2-40B4-BE49-F238E27FC236}">
+                <a16:creationId xmlns:a16="http://schemas.microsoft.com/office/drawing/2014/main" id="{017745CB-41A3-BF33-59BA-84D5CD937524}"/>
+              </a:ext>
+            </a:extLst>
+          </p:cNvPr>
+          <p:cNvSpPr>
+            <a:spLocks noGrp="1"/>
+          </p:cNvSpPr>
+          <p:nvPr>
+            <p:ph type="subTitle" idx="1"/>
+          </p:nvPr>
+        </p:nvSpPr>
+        <p:spPr/>
+        <p:txBody>
+          <a:bodyPr>
+            <a:noAutofit/>
+          </a:bodyPr>
+          <a:lstStyle/>
+          <a:p>
+            <a:pPr marL="285750" indent="-285750" algn="l">
+              <a:buFont typeface="Arial" panose="020B0604020202020204" pitchFamily="34" charset="0"/>
+              <a:buChar char="•"/>
+            </a:pPr>
+            <a:r>
+              <a:rPr lang="es-DO" sz="2800" b="1" dirty="0"/>
+              <a:t>Funcionalidades.</a:t>
+            </a:r>
+          </a:p>
+          <a:p>
+            <a:pPr marL="285750" indent="-285750" algn="l">
+              <a:buFont typeface="Arial" panose="020B0604020202020204" pitchFamily="34" charset="0"/>
+              <a:buChar char="•"/>
+            </a:pPr>
+            <a:r>
+              <a:rPr lang="es-DO" sz="2800" b="1" dirty="0"/>
+              <a:t>Actualización de precios.</a:t>
+            </a:r>
+          </a:p>
+          <a:p>
+            <a:pPr marL="285750" indent="-285750" algn="l">
+              <a:buFont typeface="Arial" panose="020B0604020202020204" pitchFamily="34" charset="0"/>
+              <a:buChar char="•"/>
+            </a:pPr>
+            <a:r>
+              <a:rPr lang="es-DO" sz="2800" b="1" dirty="0"/>
+              <a:t>Calculo de costo.</a:t>
+            </a:r>
+          </a:p>
+          <a:p>
+            <a:pPr marL="285750" indent="-285750" algn="l">
+              <a:buFont typeface="Arial" panose="020B0604020202020204" pitchFamily="34" charset="0"/>
+              <a:buChar char="•"/>
+            </a:pPr>
+            <a:r>
+              <a:rPr lang="es-DO" sz="2800" b="1" dirty="0"/>
+              <a:t>Impacto en el usuario.</a:t>
+            </a:r>
+          </a:p>
+        </p:txBody>
+      </p:sp>
+    </p:spTree>
+    <p:extLst>
+      <p:ext uri="{BB962C8B-B14F-4D97-AF65-F5344CB8AC3E}">
+        <p14:creationId xmlns:p14="http://schemas.microsoft.com/office/powerpoint/2010/main" val="4231288972"/>
+      </p:ext>
+    </p:extLst>
+  </p:cSld>
+  <p:clrMapOvr>
+    <a:masterClrMapping/>
+  </p:clrMapOvr>
+  <mc:AlternateContent xmlns:mc="http://schemas.openxmlformats.org/markup-compatibility/2006" xmlns:p14="http://schemas.microsoft.com/office/powerpoint/2010/main">
+    <mc:Choice Requires="p14">
+      <p:transition spd="med" p14:dur="700">
+        <p:fade/>
+      </p:transition>
+    </mc:Choice>
+    <mc:Fallback xmlns="">
+      <p:transition spd="med">
+        <p:fade/>
+      </p:transition>
     </mc:Fallback>
   </mc:AlternateContent>
 </p:sld>
